--- a/Data/Springboard Deliverables/Coworking Presentation.pptx
+++ b/Data/Springboard Deliverables/Coworking Presentation.pptx
@@ -9,6 +9,10 @@
     <p:sldId id="257" r:id="rId3"/>
     <p:sldId id="258" r:id="rId4"/>
     <p:sldId id="259" r:id="rId5"/>
+    <p:sldId id="260" r:id="rId6"/>
+    <p:sldId id="261" r:id="rId7"/>
+    <p:sldId id="262" r:id="rId8"/>
+    <p:sldId id="263" r:id="rId9"/>
   </p:sldIdLst>
   <p:sldSz cx="12192000" cy="6858000"/>
   <p:notesSz cx="6858000" cy="9144000"/>
@@ -107,6 +111,11 @@
       </a:defRPr>
     </a:lvl9pPr>
   </p:defaultTextStyle>
+  <p:extLst>
+    <p:ext uri="{EFAFB233-063F-42B5-8137-9DF3F51BA10A}">
+      <p15:sldGuideLst xmlns:p15="http://schemas.microsoft.com/office/powerpoint/2012/main"/>
+    </p:ext>
+  </p:extLst>
 </p:presentation>
 </file>
 
@@ -8902,7 +8911,7 @@
           <a:p>
             <a:fld id="{EFF19B0D-0FEA-7C4C-9EA5-400B073B78BD}" type="datetimeFigureOut">
               <a:rPr lang="en-US" smtClean="0"/>
-              <a:t>4/11/18</a:t>
+              <a:t>4/13/18</a:t>
             </a:fld>
             <a:endParaRPr lang="en-US"/>
           </a:p>
@@ -9072,7 +9081,7 @@
           <a:p>
             <a:fld id="{EFF19B0D-0FEA-7C4C-9EA5-400B073B78BD}" type="datetimeFigureOut">
               <a:rPr lang="en-US" smtClean="0"/>
-              <a:t>4/11/18</a:t>
+              <a:t>4/13/18</a:t>
             </a:fld>
             <a:endParaRPr lang="en-US"/>
           </a:p>
@@ -9252,7 +9261,7 @@
           <a:p>
             <a:fld id="{EFF19B0D-0FEA-7C4C-9EA5-400B073B78BD}" type="datetimeFigureOut">
               <a:rPr lang="en-US" smtClean="0"/>
-              <a:t>4/11/18</a:t>
+              <a:t>4/13/18</a:t>
             </a:fld>
             <a:endParaRPr lang="en-US"/>
           </a:p>
@@ -9422,7 +9431,7 @@
           <a:p>
             <a:fld id="{EFF19B0D-0FEA-7C4C-9EA5-400B073B78BD}" type="datetimeFigureOut">
               <a:rPr lang="en-US" smtClean="0"/>
-              <a:t>4/11/18</a:t>
+              <a:t>4/13/18</a:t>
             </a:fld>
             <a:endParaRPr lang="en-US"/>
           </a:p>
@@ -9690,7 +9699,7 @@
           <a:p>
             <a:fld id="{EFF19B0D-0FEA-7C4C-9EA5-400B073B78BD}" type="datetimeFigureOut">
               <a:rPr lang="en-US" smtClean="0"/>
-              <a:t>4/11/18</a:t>
+              <a:t>4/13/18</a:t>
             </a:fld>
             <a:endParaRPr lang="en-US"/>
           </a:p>
@@ -9922,7 +9931,7 @@
           <a:p>
             <a:fld id="{EFF19B0D-0FEA-7C4C-9EA5-400B073B78BD}" type="datetimeFigureOut">
               <a:rPr lang="en-US" smtClean="0"/>
-              <a:t>4/11/18</a:t>
+              <a:t>4/13/18</a:t>
             </a:fld>
             <a:endParaRPr lang="en-US"/>
           </a:p>
@@ -10281,7 +10290,7 @@
           <a:p>
             <a:fld id="{EFF19B0D-0FEA-7C4C-9EA5-400B073B78BD}" type="datetimeFigureOut">
               <a:rPr lang="en-US" smtClean="0"/>
-              <a:t>4/11/18</a:t>
+              <a:t>4/13/18</a:t>
             </a:fld>
             <a:endParaRPr lang="en-US"/>
           </a:p>
@@ -10422,7 +10431,7 @@
           <a:p>
             <a:fld id="{EFF19B0D-0FEA-7C4C-9EA5-400B073B78BD}" type="datetimeFigureOut">
               <a:rPr lang="en-US" smtClean="0"/>
-              <a:t>4/11/18</a:t>
+              <a:t>4/13/18</a:t>
             </a:fld>
             <a:endParaRPr lang="en-US"/>
           </a:p>
@@ -10517,7 +10526,7 @@
           <a:p>
             <a:fld id="{EFF19B0D-0FEA-7C4C-9EA5-400B073B78BD}" type="datetimeFigureOut">
               <a:rPr lang="en-US" smtClean="0"/>
-              <a:t>4/11/18</a:t>
+              <a:t>4/13/18</a:t>
             </a:fld>
             <a:endParaRPr lang="en-US"/>
           </a:p>
@@ -10874,7 +10883,7 @@
           <a:p>
             <a:fld id="{EFF19B0D-0FEA-7C4C-9EA5-400B073B78BD}" type="datetimeFigureOut">
               <a:rPr lang="en-US" smtClean="0"/>
-              <a:t>4/11/18</a:t>
+              <a:t>4/13/18</a:t>
             </a:fld>
             <a:endParaRPr lang="en-US"/>
           </a:p>
@@ -11231,7 +11240,7 @@
           <a:p>
             <a:fld id="{EFF19B0D-0FEA-7C4C-9EA5-400B073B78BD}" type="datetimeFigureOut">
               <a:rPr lang="en-US" smtClean="0"/>
-              <a:t>4/11/18</a:t>
+              <a:t>4/13/18</a:t>
             </a:fld>
             <a:endParaRPr lang="en-US"/>
           </a:p>
@@ -11472,7 +11481,7 @@
           <a:p>
             <a:fld id="{EFF19B0D-0FEA-7C4C-9EA5-400B073B78BD}" type="datetimeFigureOut">
               <a:rPr lang="en-US" smtClean="0"/>
-              <a:t>4/11/18</a:t>
+              <a:t>4/13/18</a:t>
             </a:fld>
             <a:endParaRPr lang="en-US"/>
           </a:p>
@@ -12600,6 +12609,1715 @@
 </p:sld>
 </file>
 
+<file path=ppt/slides/slide5.xml><?xml version="1.0" encoding="utf-8"?>
+<p:sld xmlns:a="http://schemas.openxmlformats.org/drawingml/2006/main" xmlns:r="http://schemas.openxmlformats.org/officeDocument/2006/relationships" xmlns:p="http://schemas.openxmlformats.org/presentationml/2006/main">
+  <p:cSld>
+    <p:spTree>
+      <p:nvGrpSpPr>
+        <p:cNvPr id="1" name=""/>
+        <p:cNvGrpSpPr/>
+        <p:nvPr/>
+      </p:nvGrpSpPr>
+      <p:grpSpPr>
+        <a:xfrm>
+          <a:off x="0" y="0"/>
+          <a:ext cx="0" cy="0"/>
+          <a:chOff x="0" y="0"/>
+          <a:chExt cx="0" cy="0"/>
+        </a:xfrm>
+      </p:grpSpPr>
+      <p:sp>
+        <p:nvSpPr>
+          <p:cNvPr id="2" name="Title 1">
+            <a:extLst>
+              <a:ext uri="{FF2B5EF4-FFF2-40B4-BE49-F238E27FC236}">
+                <a16:creationId xmlns:a16="http://schemas.microsoft.com/office/drawing/2014/main" id="{51F5888C-09DF-E940-A3F6-4197F7996085}"/>
+              </a:ext>
+            </a:extLst>
+          </p:cNvPr>
+          <p:cNvSpPr>
+            <a:spLocks noGrp="1"/>
+          </p:cNvSpPr>
+          <p:nvPr>
+            <p:ph type="title"/>
+          </p:nvPr>
+        </p:nvSpPr>
+        <p:spPr>
+          <a:xfrm>
+            <a:off x="1049311" y="275144"/>
+            <a:ext cx="10268263" cy="579295"/>
+          </a:xfrm>
+        </p:spPr>
+        <p:txBody>
+          <a:bodyPr>
+            <a:normAutofit fontScale="90000"/>
+          </a:bodyPr>
+          <a:lstStyle/>
+          <a:p>
+            <a:r>
+              <a:rPr lang="en-US" dirty="0"/>
+              <a:t>Data Wrangling</a:t>
+            </a:r>
+          </a:p>
+        </p:txBody>
+      </p:sp>
+      <p:sp>
+        <p:nvSpPr>
+          <p:cNvPr id="3" name="Content Placeholder 2">
+            <a:extLst>
+              <a:ext uri="{FF2B5EF4-FFF2-40B4-BE49-F238E27FC236}">
+                <a16:creationId xmlns:a16="http://schemas.microsoft.com/office/drawing/2014/main" id="{A209DBEB-54C4-294D-B65C-8EC9F9FA181E}"/>
+              </a:ext>
+            </a:extLst>
+          </p:cNvPr>
+          <p:cNvSpPr>
+            <a:spLocks noGrp="1"/>
+          </p:cNvSpPr>
+          <p:nvPr>
+            <p:ph idx="1"/>
+          </p:nvPr>
+        </p:nvSpPr>
+        <p:spPr>
+          <a:xfrm>
+            <a:off x="1049311" y="1408850"/>
+            <a:ext cx="10268263" cy="4377353"/>
+          </a:xfrm>
+        </p:spPr>
+        <p:txBody>
+          <a:bodyPr>
+            <a:normAutofit/>
+          </a:bodyPr>
+          <a:lstStyle/>
+          <a:p>
+            <a:r>
+              <a:rPr lang="en-US" dirty="0"/>
+              <a:t>Data was taken from the 2016 US Census PUMS data – a sampling of 1%of demographic information of individuals of the US Population.</a:t>
+            </a:r>
+          </a:p>
+          <a:p>
+            <a:r>
+              <a:rPr lang="en-US" dirty="0"/>
+              <a:t>Data Wrangling in this sense consists of deciding which areas to select from and re-formatting all Census data in a manner uniform and equally meaningful to the 2017 Global </a:t>
+            </a:r>
+            <a:r>
+              <a:rPr lang="en-US" dirty="0" err="1"/>
+              <a:t>Coworking</a:t>
+            </a:r>
+            <a:r>
+              <a:rPr lang="en-US" dirty="0"/>
+              <a:t> Survey.</a:t>
+            </a:r>
+          </a:p>
+          <a:p>
+            <a:r>
+              <a:rPr lang="en-US" dirty="0"/>
+              <a:t>Most Data Wrangling in this project was simple classification of Census Data into categories presented by the Global </a:t>
+            </a:r>
+            <a:r>
+              <a:rPr lang="en-US" dirty="0" err="1"/>
+              <a:t>Coworking</a:t>
+            </a:r>
+            <a:r>
+              <a:rPr lang="en-US" dirty="0"/>
+              <a:t> Survey. However there were some more nuanced problems:</a:t>
+            </a:r>
+          </a:p>
+          <a:p>
+            <a:pPr lvl="2"/>
+            <a:r>
+              <a:rPr lang="en-US" dirty="0"/>
+              <a:t>The Census anonymizes location of individuals – can we simulate where people live in order to get a sense of distance to the </a:t>
+            </a:r>
+            <a:r>
+              <a:rPr lang="en-US" dirty="0" err="1"/>
+              <a:t>Coworking</a:t>
+            </a:r>
+            <a:r>
+              <a:rPr lang="en-US" dirty="0"/>
+              <a:t> Space and refine our Marketing Plan?</a:t>
+            </a:r>
+          </a:p>
+          <a:p>
+            <a:pPr lvl="2"/>
+            <a:r>
+              <a:rPr lang="en-US" dirty="0"/>
+              <a:t>How do we extend distance to our specific </a:t>
+            </a:r>
+            <a:r>
+              <a:rPr lang="en-US" dirty="0" err="1"/>
+              <a:t>Coworking</a:t>
+            </a:r>
+            <a:r>
+              <a:rPr lang="en-US" dirty="0"/>
+              <a:t> Space in </a:t>
+            </a:r>
+            <a:r>
+              <a:rPr lang="en-US" dirty="0" err="1"/>
+              <a:t>Carpinteria</a:t>
+            </a:r>
+            <a:r>
+              <a:rPr lang="en-US" dirty="0"/>
+              <a:t> to a training set indicative of a general demographic elsewhere in a meaningful way?</a:t>
+            </a:r>
+          </a:p>
+        </p:txBody>
+      </p:sp>
+    </p:spTree>
+    <p:extLst>
+      <p:ext uri="{BB962C8B-B14F-4D97-AF65-F5344CB8AC3E}">
+        <p14:creationId xmlns:p14="http://schemas.microsoft.com/office/powerpoint/2010/main" val="2979062391"/>
+      </p:ext>
+    </p:extLst>
+  </p:cSld>
+  <p:clrMapOvr>
+    <a:masterClrMapping/>
+  </p:clrMapOvr>
+</p:sld>
+</file>
+
+<file path=ppt/slides/slide6.xml><?xml version="1.0" encoding="utf-8"?>
+<p:sld xmlns:a="http://schemas.openxmlformats.org/drawingml/2006/main" xmlns:r="http://schemas.openxmlformats.org/officeDocument/2006/relationships" xmlns:p="http://schemas.openxmlformats.org/presentationml/2006/main">
+  <p:cSld>
+    <p:spTree>
+      <p:nvGrpSpPr>
+        <p:cNvPr id="1" name=""/>
+        <p:cNvGrpSpPr/>
+        <p:nvPr/>
+      </p:nvGrpSpPr>
+      <p:grpSpPr>
+        <a:xfrm>
+          <a:off x="0" y="0"/>
+          <a:ext cx="0" cy="0"/>
+          <a:chOff x="0" y="0"/>
+          <a:chExt cx="0" cy="0"/>
+        </a:xfrm>
+      </p:grpSpPr>
+      <p:sp>
+        <p:nvSpPr>
+          <p:cNvPr id="2" name="Title 1">
+            <a:extLst>
+              <a:ext uri="{FF2B5EF4-FFF2-40B4-BE49-F238E27FC236}">
+                <a16:creationId xmlns:a16="http://schemas.microsoft.com/office/drawing/2014/main" id="{308410AA-BBEA-2D47-A7EC-A20D6CC9821B}"/>
+              </a:ext>
+            </a:extLst>
+          </p:cNvPr>
+          <p:cNvSpPr>
+            <a:spLocks noGrp="1"/>
+          </p:cNvSpPr>
+          <p:nvPr>
+            <p:ph type="title"/>
+          </p:nvPr>
+        </p:nvSpPr>
+        <p:spPr>
+          <a:xfrm>
+            <a:off x="826957" y="350095"/>
+            <a:ext cx="10538086" cy="729197"/>
+          </a:xfrm>
+        </p:spPr>
+        <p:txBody>
+          <a:bodyPr>
+            <a:normAutofit fontScale="90000"/>
+          </a:bodyPr>
+          <a:lstStyle/>
+          <a:p>
+            <a:r>
+              <a:rPr lang="en-US" dirty="0"/>
+              <a:t>Classification of data into factors</a:t>
+            </a:r>
+          </a:p>
+        </p:txBody>
+      </p:sp>
+      <p:pic>
+        <p:nvPicPr>
+          <p:cNvPr id="4" name="Picture 3">
+            <a:extLst>
+              <a:ext uri="{FF2B5EF4-FFF2-40B4-BE49-F238E27FC236}">
+                <a16:creationId xmlns:a16="http://schemas.microsoft.com/office/drawing/2014/main" id="{5295E672-659C-834A-A746-1AFC1F3B0F00}"/>
+              </a:ext>
+            </a:extLst>
+          </p:cNvPr>
+          <p:cNvPicPr>
+            <a:picLocks noChangeAspect="1"/>
+          </p:cNvPicPr>
+          <p:nvPr/>
+        </p:nvPicPr>
+        <p:blipFill>
+          <a:blip r:embed="rId2"/>
+          <a:stretch>
+            <a:fillRect/>
+          </a:stretch>
+        </p:blipFill>
+        <p:spPr>
+          <a:xfrm>
+            <a:off x="7114867" y="1828801"/>
+            <a:ext cx="4250175" cy="4279691"/>
+          </a:xfrm>
+          <a:prstGeom prst="rect">
+            <a:avLst/>
+          </a:prstGeom>
+        </p:spPr>
+      </p:pic>
+      <p:sp>
+        <p:nvSpPr>
+          <p:cNvPr id="6" name="TextBox 5">
+            <a:extLst>
+              <a:ext uri="{FF2B5EF4-FFF2-40B4-BE49-F238E27FC236}">
+                <a16:creationId xmlns:a16="http://schemas.microsoft.com/office/drawing/2014/main" id="{C436FF54-D975-9549-B103-CC5409575592}"/>
+              </a:ext>
+            </a:extLst>
+          </p:cNvPr>
+          <p:cNvSpPr txBox="1"/>
+          <p:nvPr/>
+        </p:nvSpPr>
+        <p:spPr>
+          <a:xfrm>
+            <a:off x="960120" y="1828801"/>
+            <a:ext cx="5577840" cy="3693319"/>
+          </a:xfrm>
+          <a:prstGeom prst="rect">
+            <a:avLst/>
+          </a:prstGeom>
+          <a:noFill/>
+        </p:spPr>
+        <p:txBody>
+          <a:bodyPr wrap="square" rtlCol="0">
+            <a:spAutoFit/>
+          </a:bodyPr>
+          <a:lstStyle/>
+          <a:p>
+            <a:r>
+              <a:rPr lang="en-US" dirty="0"/>
+              <a:t>The following fields of the 2016 PUMS Census must be translated into factors correlating to those on slides 3-4:</a:t>
+            </a:r>
+          </a:p>
+          <a:p>
+            <a:endParaRPr lang="en-US" dirty="0"/>
+          </a:p>
+          <a:p>
+            <a:pPr marL="285750" indent="-285750">
+              <a:buFont typeface="Arial" panose="020B0604020202020204" pitchFamily="34" charset="0"/>
+              <a:buChar char="•"/>
+            </a:pPr>
+            <a:r>
+              <a:rPr lang="en-US" dirty="0"/>
+              <a:t>Mode of Transportation</a:t>
+            </a:r>
+          </a:p>
+          <a:p>
+            <a:pPr marL="285750" indent="-285750">
+              <a:buFont typeface="Arial" panose="020B0604020202020204" pitchFamily="34" charset="0"/>
+              <a:buChar char="•"/>
+            </a:pPr>
+            <a:r>
+              <a:rPr lang="en-US" dirty="0"/>
+              <a:t>Travel Time to Work:</a:t>
+            </a:r>
+          </a:p>
+          <a:p>
+            <a:pPr marL="285750" indent="-285750">
+              <a:buFont typeface="Arial" panose="020B0604020202020204" pitchFamily="34" charset="0"/>
+              <a:buChar char="•"/>
+            </a:pPr>
+            <a:r>
+              <a:rPr lang="en-US" dirty="0"/>
+              <a:t>Job Type</a:t>
+            </a:r>
+          </a:p>
+          <a:p>
+            <a:pPr marL="285750" indent="-285750">
+              <a:buFont typeface="Arial" panose="020B0604020202020204" pitchFamily="34" charset="0"/>
+              <a:buChar char="•"/>
+            </a:pPr>
+            <a:r>
+              <a:rPr lang="en-US" dirty="0"/>
+              <a:t>Occupation</a:t>
+            </a:r>
+          </a:p>
+          <a:p>
+            <a:pPr marL="285750" indent="-285750">
+              <a:buFont typeface="Arial" panose="020B0604020202020204" pitchFamily="34" charset="0"/>
+              <a:buChar char="•"/>
+            </a:pPr>
+            <a:r>
+              <a:rPr lang="en-US" dirty="0"/>
+              <a:t>Gender</a:t>
+            </a:r>
+          </a:p>
+          <a:p>
+            <a:pPr marL="285750" indent="-285750">
+              <a:buFont typeface="Arial" panose="020B0604020202020204" pitchFamily="34" charset="0"/>
+              <a:buChar char="•"/>
+            </a:pPr>
+            <a:r>
+              <a:rPr lang="en-US" dirty="0"/>
+              <a:t>Marital Status</a:t>
+            </a:r>
+          </a:p>
+          <a:p>
+            <a:pPr marL="285750" indent="-285750">
+              <a:buFont typeface="Arial" panose="020B0604020202020204" pitchFamily="34" charset="0"/>
+              <a:buChar char="•"/>
+            </a:pPr>
+            <a:r>
+              <a:rPr lang="en-US" dirty="0"/>
+              <a:t>Health Insurance Status</a:t>
+            </a:r>
+          </a:p>
+          <a:p>
+            <a:pPr marL="285750" indent="-285750">
+              <a:buFont typeface="Arial" panose="020B0604020202020204" pitchFamily="34" charset="0"/>
+              <a:buChar char="•"/>
+            </a:pPr>
+            <a:r>
+              <a:rPr lang="en-US" dirty="0"/>
+              <a:t>Current Workspace</a:t>
+            </a:r>
+          </a:p>
+          <a:p>
+            <a:pPr marL="285750" indent="-285750">
+              <a:buFont typeface="Arial" panose="020B0604020202020204" pitchFamily="34" charset="0"/>
+              <a:buChar char="•"/>
+            </a:pPr>
+            <a:r>
+              <a:rPr lang="en-US" dirty="0"/>
+              <a:t>Education information</a:t>
+            </a:r>
+          </a:p>
+          <a:p>
+            <a:pPr marL="285750" indent="-285750">
+              <a:buFont typeface="Arial" panose="020B0604020202020204" pitchFamily="34" charset="0"/>
+              <a:buChar char="•"/>
+            </a:pPr>
+            <a:r>
+              <a:rPr lang="en-US" dirty="0"/>
+              <a:t>Income Information</a:t>
+            </a:r>
+          </a:p>
+        </p:txBody>
+      </p:sp>
+      <p:sp>
+        <p:nvSpPr>
+          <p:cNvPr id="7" name="TextBox 6">
+            <a:extLst>
+              <a:ext uri="{FF2B5EF4-FFF2-40B4-BE49-F238E27FC236}">
+                <a16:creationId xmlns:a16="http://schemas.microsoft.com/office/drawing/2014/main" id="{B7D33816-577D-334C-9AB1-16F676E522F8}"/>
+              </a:ext>
+            </a:extLst>
+          </p:cNvPr>
+          <p:cNvSpPr txBox="1"/>
+          <p:nvPr/>
+        </p:nvSpPr>
+        <p:spPr>
+          <a:xfrm>
+            <a:off x="7345680" y="1295400"/>
+            <a:ext cx="3764280" cy="369332"/>
+          </a:xfrm>
+          <a:prstGeom prst="rect">
+            <a:avLst/>
+          </a:prstGeom>
+          <a:solidFill>
+            <a:srgbClr val="92D050"/>
+          </a:solidFill>
+          <a:ln>
+            <a:solidFill>
+              <a:schemeClr val="tx1"/>
+            </a:solidFill>
+          </a:ln>
+        </p:spPr>
+        <p:txBody>
+          <a:bodyPr wrap="square" rtlCol="0">
+            <a:spAutoFit/>
+          </a:bodyPr>
+          <a:lstStyle/>
+          <a:p>
+            <a:pPr algn="ctr"/>
+            <a:r>
+              <a:rPr lang="en-US" dirty="0"/>
+              <a:t>INTEGER</a:t>
+            </a:r>
+          </a:p>
+        </p:txBody>
+      </p:sp>
+      <p:cxnSp>
+        <p:nvCxnSpPr>
+          <p:cNvPr id="9" name="Straight Arrow Connector 8">
+            <a:extLst>
+              <a:ext uri="{FF2B5EF4-FFF2-40B4-BE49-F238E27FC236}">
+                <a16:creationId xmlns:a16="http://schemas.microsoft.com/office/drawing/2014/main" id="{A04311DA-9E2A-1449-93F6-CD44BA0434F4}"/>
+              </a:ext>
+            </a:extLst>
+          </p:cNvPr>
+          <p:cNvCxnSpPr>
+            <a:stCxn id="7" idx="2"/>
+          </p:cNvCxnSpPr>
+          <p:nvPr/>
+        </p:nvCxnSpPr>
+        <p:spPr>
+          <a:xfrm>
+            <a:off x="9227820" y="1664732"/>
+            <a:ext cx="0" cy="743188"/>
+          </a:xfrm>
+          <a:prstGeom prst="straightConnector1">
+            <a:avLst/>
+          </a:prstGeom>
+          <a:ln w="44450">
+            <a:solidFill>
+              <a:schemeClr val="tx1"/>
+            </a:solidFill>
+            <a:tailEnd type="triangle"/>
+          </a:ln>
+        </p:spPr>
+        <p:style>
+          <a:lnRef idx="1">
+            <a:schemeClr val="accent1"/>
+          </a:lnRef>
+          <a:fillRef idx="0">
+            <a:schemeClr val="accent1"/>
+          </a:fillRef>
+          <a:effectRef idx="0">
+            <a:schemeClr val="accent1"/>
+          </a:effectRef>
+          <a:fontRef idx="minor">
+            <a:schemeClr val="tx1"/>
+          </a:fontRef>
+        </p:style>
+      </p:cxnSp>
+      <p:grpSp>
+        <p:nvGrpSpPr>
+          <p:cNvPr id="16" name="Group 15">
+            <a:extLst>
+              <a:ext uri="{FF2B5EF4-FFF2-40B4-BE49-F238E27FC236}">
+                <a16:creationId xmlns:a16="http://schemas.microsoft.com/office/drawing/2014/main" id="{66E82E9E-8ACF-6C4E-A556-2BE8524238AE}"/>
+              </a:ext>
+            </a:extLst>
+          </p:cNvPr>
+          <p:cNvGrpSpPr/>
+          <p:nvPr/>
+        </p:nvGrpSpPr>
+        <p:grpSpPr>
+          <a:xfrm>
+            <a:off x="7175827" y="6187440"/>
+            <a:ext cx="4170353" cy="674132"/>
+            <a:chOff x="7175827" y="6187440"/>
+            <a:chExt cx="4170353" cy="674132"/>
+          </a:xfrm>
+        </p:grpSpPr>
+        <p:sp>
+          <p:nvSpPr>
+            <p:cNvPr id="11" name="Rectangle 10">
+              <a:extLst>
+                <a:ext uri="{FF2B5EF4-FFF2-40B4-BE49-F238E27FC236}">
+                  <a16:creationId xmlns:a16="http://schemas.microsoft.com/office/drawing/2014/main" id="{2C7ED4A0-AC3F-FE4A-99C3-9DC5FAEC6411}"/>
+                </a:ext>
+              </a:extLst>
+            </p:cNvPr>
+            <p:cNvSpPr/>
+            <p:nvPr/>
+          </p:nvSpPr>
+          <p:spPr>
+            <a:xfrm>
+              <a:off x="8074987" y="6187440"/>
+              <a:ext cx="2112953" cy="289560"/>
+            </a:xfrm>
+            <a:prstGeom prst="rect">
+              <a:avLst/>
+            </a:prstGeom>
+            <a:solidFill>
+              <a:srgbClr val="92D050"/>
+            </a:solidFill>
+            <a:ln w="31750">
+              <a:solidFill>
+                <a:schemeClr val="tx1"/>
+              </a:solidFill>
+            </a:ln>
+          </p:spPr>
+          <p:style>
+            <a:lnRef idx="2">
+              <a:schemeClr val="accent1">
+                <a:shade val="50000"/>
+              </a:schemeClr>
+            </a:lnRef>
+            <a:fillRef idx="1">
+              <a:schemeClr val="accent1"/>
+            </a:fillRef>
+            <a:effectRef idx="0">
+              <a:schemeClr val="accent1"/>
+            </a:effectRef>
+            <a:fontRef idx="minor">
+              <a:schemeClr val="lt1"/>
+            </a:fontRef>
+          </p:style>
+          <p:txBody>
+            <a:bodyPr rtlCol="0" anchor="ctr"/>
+            <a:lstStyle/>
+            <a:p>
+              <a:pPr algn="ctr"/>
+              <a:endParaRPr lang="en-US"/>
+            </a:p>
+          </p:txBody>
+        </p:sp>
+        <p:sp>
+          <p:nvSpPr>
+            <p:cNvPr id="12" name="Rectangle 11">
+              <a:extLst>
+                <a:ext uri="{FF2B5EF4-FFF2-40B4-BE49-F238E27FC236}">
+                  <a16:creationId xmlns:a16="http://schemas.microsoft.com/office/drawing/2014/main" id="{73D5932C-BE58-204B-83B0-7F153FF3FD54}"/>
+                </a:ext>
+              </a:extLst>
+            </p:cNvPr>
+            <p:cNvSpPr/>
+            <p:nvPr/>
+          </p:nvSpPr>
+          <p:spPr>
+            <a:xfrm>
+              <a:off x="9233227" y="6187440"/>
+              <a:ext cx="2112953" cy="289560"/>
+            </a:xfrm>
+            <a:prstGeom prst="rect">
+              <a:avLst/>
+            </a:prstGeom>
+            <a:solidFill>
+              <a:srgbClr val="92D050"/>
+            </a:solidFill>
+            <a:ln w="31750">
+              <a:solidFill>
+                <a:schemeClr val="tx1"/>
+              </a:solidFill>
+            </a:ln>
+          </p:spPr>
+          <p:style>
+            <a:lnRef idx="2">
+              <a:schemeClr val="accent1">
+                <a:shade val="50000"/>
+              </a:schemeClr>
+            </a:lnRef>
+            <a:fillRef idx="1">
+              <a:schemeClr val="accent1"/>
+            </a:fillRef>
+            <a:effectRef idx="0">
+              <a:schemeClr val="accent1"/>
+            </a:effectRef>
+            <a:fontRef idx="minor">
+              <a:schemeClr val="lt1"/>
+            </a:fontRef>
+          </p:style>
+          <p:txBody>
+            <a:bodyPr rtlCol="0" anchor="ctr"/>
+            <a:lstStyle/>
+            <a:p>
+              <a:pPr algn="ctr"/>
+              <a:endParaRPr lang="en-US"/>
+            </a:p>
+          </p:txBody>
+        </p:sp>
+        <p:sp>
+          <p:nvSpPr>
+            <p:cNvPr id="10" name="Rectangle 9">
+              <a:extLst>
+                <a:ext uri="{FF2B5EF4-FFF2-40B4-BE49-F238E27FC236}">
+                  <a16:creationId xmlns:a16="http://schemas.microsoft.com/office/drawing/2014/main" id="{6CB1A184-73B3-6441-94F9-8D04C997CE4A}"/>
+                </a:ext>
+              </a:extLst>
+            </p:cNvPr>
+            <p:cNvSpPr/>
+            <p:nvPr/>
+          </p:nvSpPr>
+          <p:spPr>
+            <a:xfrm>
+              <a:off x="7175827" y="6187440"/>
+              <a:ext cx="2112953" cy="289560"/>
+            </a:xfrm>
+            <a:prstGeom prst="rect">
+              <a:avLst/>
+            </a:prstGeom>
+            <a:solidFill>
+              <a:srgbClr val="92D050"/>
+            </a:solidFill>
+            <a:ln w="31750">
+              <a:solidFill>
+                <a:schemeClr val="tx1"/>
+              </a:solidFill>
+            </a:ln>
+          </p:spPr>
+          <p:style>
+            <a:lnRef idx="2">
+              <a:schemeClr val="accent1">
+                <a:shade val="50000"/>
+              </a:schemeClr>
+            </a:lnRef>
+            <a:fillRef idx="1">
+              <a:schemeClr val="accent1"/>
+            </a:fillRef>
+            <a:effectRef idx="0">
+              <a:schemeClr val="accent1"/>
+            </a:effectRef>
+            <a:fontRef idx="minor">
+              <a:schemeClr val="lt1"/>
+            </a:fontRef>
+          </p:style>
+          <p:txBody>
+            <a:bodyPr rtlCol="0" anchor="ctr"/>
+            <a:lstStyle/>
+            <a:p>
+              <a:pPr algn="ctr"/>
+              <a:endParaRPr lang="en-US"/>
+            </a:p>
+          </p:txBody>
+        </p:sp>
+        <p:sp>
+          <p:nvSpPr>
+            <p:cNvPr id="13" name="Rectangle 12">
+              <a:extLst>
+                <a:ext uri="{FF2B5EF4-FFF2-40B4-BE49-F238E27FC236}">
+                  <a16:creationId xmlns:a16="http://schemas.microsoft.com/office/drawing/2014/main" id="{594E82E2-0A34-9843-BA11-30A9F709CFBA}"/>
+                </a:ext>
+              </a:extLst>
+            </p:cNvPr>
+            <p:cNvSpPr/>
+            <p:nvPr/>
+          </p:nvSpPr>
+          <p:spPr>
+            <a:xfrm>
+              <a:off x="8090227" y="6187440"/>
+              <a:ext cx="2112953" cy="289560"/>
+            </a:xfrm>
+            <a:prstGeom prst="rect">
+              <a:avLst/>
+            </a:prstGeom>
+            <a:solidFill>
+              <a:srgbClr val="92D050"/>
+            </a:solidFill>
+            <a:ln w="31750">
+              <a:solidFill>
+                <a:schemeClr val="tx1"/>
+              </a:solidFill>
+            </a:ln>
+          </p:spPr>
+          <p:style>
+            <a:lnRef idx="2">
+              <a:schemeClr val="accent1">
+                <a:shade val="50000"/>
+              </a:schemeClr>
+            </a:lnRef>
+            <a:fillRef idx="1">
+              <a:schemeClr val="accent1"/>
+            </a:fillRef>
+            <a:effectRef idx="0">
+              <a:schemeClr val="accent1"/>
+            </a:effectRef>
+            <a:fontRef idx="minor">
+              <a:schemeClr val="lt1"/>
+            </a:fontRef>
+          </p:style>
+          <p:txBody>
+            <a:bodyPr rtlCol="0" anchor="ctr"/>
+            <a:lstStyle/>
+            <a:p>
+              <a:pPr algn="ctr"/>
+              <a:endParaRPr lang="en-US"/>
+            </a:p>
+          </p:txBody>
+        </p:sp>
+        <p:sp>
+          <p:nvSpPr>
+            <p:cNvPr id="14" name="Rectangle 13">
+              <a:extLst>
+                <a:ext uri="{FF2B5EF4-FFF2-40B4-BE49-F238E27FC236}">
+                  <a16:creationId xmlns:a16="http://schemas.microsoft.com/office/drawing/2014/main" id="{36101C57-0450-C045-807E-C8ABDB92E201}"/>
+                </a:ext>
+              </a:extLst>
+            </p:cNvPr>
+            <p:cNvSpPr/>
+            <p:nvPr/>
+          </p:nvSpPr>
+          <p:spPr>
+            <a:xfrm>
+              <a:off x="9217987" y="6187440"/>
+              <a:ext cx="992813" cy="289560"/>
+            </a:xfrm>
+            <a:prstGeom prst="rect">
+              <a:avLst/>
+            </a:prstGeom>
+            <a:solidFill>
+              <a:srgbClr val="92D050"/>
+            </a:solidFill>
+            <a:ln w="31750">
+              <a:solidFill>
+                <a:schemeClr val="tx1"/>
+              </a:solidFill>
+            </a:ln>
+          </p:spPr>
+          <p:style>
+            <a:lnRef idx="2">
+              <a:schemeClr val="accent1">
+                <a:shade val="50000"/>
+              </a:schemeClr>
+            </a:lnRef>
+            <a:fillRef idx="1">
+              <a:schemeClr val="accent1"/>
+            </a:fillRef>
+            <a:effectRef idx="0">
+              <a:schemeClr val="accent1"/>
+            </a:effectRef>
+            <a:fontRef idx="minor">
+              <a:schemeClr val="lt1"/>
+            </a:fontRef>
+          </p:style>
+          <p:txBody>
+            <a:bodyPr rtlCol="0" anchor="ctr"/>
+            <a:lstStyle/>
+            <a:p>
+              <a:pPr algn="ctr"/>
+              <a:endParaRPr lang="en-US"/>
+            </a:p>
+          </p:txBody>
+        </p:sp>
+        <p:sp>
+          <p:nvSpPr>
+            <p:cNvPr id="15" name="TextBox 14">
+              <a:extLst>
+                <a:ext uri="{FF2B5EF4-FFF2-40B4-BE49-F238E27FC236}">
+                  <a16:creationId xmlns:a16="http://schemas.microsoft.com/office/drawing/2014/main" id="{6AEBE859-3D54-544B-A7E4-97CF7367F6C7}"/>
+                </a:ext>
+              </a:extLst>
+            </p:cNvPr>
+            <p:cNvSpPr txBox="1"/>
+            <p:nvPr/>
+          </p:nvSpPr>
+          <p:spPr>
+            <a:xfrm>
+              <a:off x="7312987" y="6492240"/>
+              <a:ext cx="3934133" cy="369332"/>
+            </a:xfrm>
+            <a:prstGeom prst="rect">
+              <a:avLst/>
+            </a:prstGeom>
+            <a:noFill/>
+          </p:spPr>
+          <p:txBody>
+            <a:bodyPr wrap="square" rtlCol="0">
+              <a:spAutoFit/>
+            </a:bodyPr>
+            <a:lstStyle/>
+            <a:p>
+              <a:pPr algn="ctr"/>
+              <a:r>
+                <a:rPr lang="en-US" dirty="0"/>
+                <a:t>FACTOR</a:t>
+              </a:r>
+            </a:p>
+          </p:txBody>
+        </p:sp>
+      </p:grpSp>
+    </p:spTree>
+    <p:extLst>
+      <p:ext uri="{BB962C8B-B14F-4D97-AF65-F5344CB8AC3E}">
+        <p14:creationId xmlns:p14="http://schemas.microsoft.com/office/powerpoint/2010/main" val="1982421729"/>
+      </p:ext>
+    </p:extLst>
+  </p:cSld>
+  <p:clrMapOvr>
+    <a:masterClrMapping/>
+  </p:clrMapOvr>
+</p:sld>
+</file>
+
+<file path=ppt/slides/slide7.xml><?xml version="1.0" encoding="utf-8"?>
+<p:sld xmlns:a="http://schemas.openxmlformats.org/drawingml/2006/main" xmlns:r="http://schemas.openxmlformats.org/officeDocument/2006/relationships" xmlns:p="http://schemas.openxmlformats.org/presentationml/2006/main">
+  <p:cSld>
+    <p:spTree>
+      <p:nvGrpSpPr>
+        <p:cNvPr id="1" name=""/>
+        <p:cNvGrpSpPr/>
+        <p:nvPr/>
+      </p:nvGrpSpPr>
+      <p:grpSpPr>
+        <a:xfrm>
+          <a:off x="0" y="0"/>
+          <a:ext cx="0" cy="0"/>
+          <a:chOff x="0" y="0"/>
+          <a:chExt cx="0" cy="0"/>
+        </a:xfrm>
+      </p:grpSpPr>
+      <p:sp>
+        <p:nvSpPr>
+          <p:cNvPr id="2" name="Title 1">
+            <a:extLst>
+              <a:ext uri="{FF2B5EF4-FFF2-40B4-BE49-F238E27FC236}">
+                <a16:creationId xmlns:a16="http://schemas.microsoft.com/office/drawing/2014/main" id="{77F22F1B-684D-B948-8760-F9D641DD0490}"/>
+              </a:ext>
+            </a:extLst>
+          </p:cNvPr>
+          <p:cNvSpPr>
+            <a:spLocks noGrp="1"/>
+          </p:cNvSpPr>
+          <p:nvPr>
+            <p:ph type="title"/>
+          </p:nvPr>
+        </p:nvSpPr>
+        <p:spPr>
+          <a:xfrm>
+            <a:off x="502920" y="400812"/>
+            <a:ext cx="11201400" cy="635508"/>
+          </a:xfrm>
+        </p:spPr>
+        <p:txBody>
+          <a:bodyPr>
+            <a:normAutofit fontScale="90000"/>
+          </a:bodyPr>
+          <a:lstStyle/>
+          <a:p>
+            <a:r>
+              <a:rPr lang="en-US" dirty="0"/>
+              <a:t>Commute Time to </a:t>
+            </a:r>
+            <a:r>
+              <a:rPr lang="en-US" dirty="0" err="1"/>
+              <a:t>Coworking</a:t>
+            </a:r>
+            <a:r>
+              <a:rPr lang="en-US" dirty="0"/>
+              <a:t> Space – Market Area Data</a:t>
+            </a:r>
+          </a:p>
+        </p:txBody>
+      </p:sp>
+      <p:pic>
+        <p:nvPicPr>
+          <p:cNvPr id="5" name="Picture 4">
+            <a:extLst>
+              <a:ext uri="{FF2B5EF4-FFF2-40B4-BE49-F238E27FC236}">
+                <a16:creationId xmlns:a16="http://schemas.microsoft.com/office/drawing/2014/main" id="{8D7A069F-FD32-324A-ADC6-F7F0712F4E0B}"/>
+              </a:ext>
+            </a:extLst>
+          </p:cNvPr>
+          <p:cNvPicPr>
+            <a:picLocks noChangeAspect="1"/>
+          </p:cNvPicPr>
+          <p:nvPr/>
+        </p:nvPicPr>
+        <p:blipFill>
+          <a:blip r:embed="rId2"/>
+          <a:stretch>
+            <a:fillRect/>
+          </a:stretch>
+        </p:blipFill>
+        <p:spPr>
+          <a:xfrm>
+            <a:off x="502920" y="2198714"/>
+            <a:ext cx="11201400" cy="4180496"/>
+          </a:xfrm>
+          <a:prstGeom prst="rect">
+            <a:avLst/>
+          </a:prstGeom>
+        </p:spPr>
+      </p:pic>
+      <p:pic>
+        <p:nvPicPr>
+          <p:cNvPr id="7" name="Picture 6">
+            <a:extLst>
+              <a:ext uri="{FF2B5EF4-FFF2-40B4-BE49-F238E27FC236}">
+                <a16:creationId xmlns:a16="http://schemas.microsoft.com/office/drawing/2014/main" id="{02B5CC07-C373-7345-A4F8-98AD9369EBC5}"/>
+              </a:ext>
+            </a:extLst>
+          </p:cNvPr>
+          <p:cNvPicPr>
+            <a:picLocks noChangeAspect="1"/>
+          </p:cNvPicPr>
+          <p:nvPr/>
+        </p:nvPicPr>
+        <p:blipFill>
+          <a:blip r:embed="rId3"/>
+          <a:stretch>
+            <a:fillRect/>
+          </a:stretch>
+        </p:blipFill>
+        <p:spPr>
+          <a:xfrm>
+            <a:off x="7620" y="1341872"/>
+            <a:ext cx="12184380" cy="551290"/>
+          </a:xfrm>
+          <a:prstGeom prst="rect">
+            <a:avLst/>
+          </a:prstGeom>
+        </p:spPr>
+      </p:pic>
+      <p:cxnSp>
+        <p:nvCxnSpPr>
+          <p:cNvPr id="9" name="Straight Arrow Connector 8">
+            <a:extLst>
+              <a:ext uri="{FF2B5EF4-FFF2-40B4-BE49-F238E27FC236}">
+                <a16:creationId xmlns:a16="http://schemas.microsoft.com/office/drawing/2014/main" id="{779EA28E-A922-5044-A420-F274CA49F6D8}"/>
+              </a:ext>
+            </a:extLst>
+          </p:cNvPr>
+          <p:cNvCxnSpPr/>
+          <p:nvPr/>
+        </p:nvCxnSpPr>
+        <p:spPr>
+          <a:xfrm>
+            <a:off x="289560" y="1893162"/>
+            <a:ext cx="609600" cy="1947318"/>
+          </a:xfrm>
+          <a:prstGeom prst="straightConnector1">
+            <a:avLst/>
+          </a:prstGeom>
+          <a:ln w="41275">
+            <a:solidFill>
+              <a:schemeClr val="tx1"/>
+            </a:solidFill>
+            <a:tailEnd type="triangle"/>
+          </a:ln>
+        </p:spPr>
+        <p:style>
+          <a:lnRef idx="1">
+            <a:schemeClr val="accent1"/>
+          </a:lnRef>
+          <a:fillRef idx="0">
+            <a:schemeClr val="accent1"/>
+          </a:fillRef>
+          <a:effectRef idx="0">
+            <a:schemeClr val="accent1"/>
+          </a:effectRef>
+          <a:fontRef idx="minor">
+            <a:schemeClr val="tx1"/>
+          </a:fontRef>
+        </p:style>
+      </p:cxnSp>
+      <p:cxnSp>
+        <p:nvCxnSpPr>
+          <p:cNvPr id="11" name="Straight Arrow Connector 10">
+            <a:extLst>
+              <a:ext uri="{FF2B5EF4-FFF2-40B4-BE49-F238E27FC236}">
+                <a16:creationId xmlns:a16="http://schemas.microsoft.com/office/drawing/2014/main" id="{E0BD45FD-55F6-5246-A7D2-89E631CF1082}"/>
+              </a:ext>
+            </a:extLst>
+          </p:cNvPr>
+          <p:cNvCxnSpPr/>
+          <p:nvPr/>
+        </p:nvCxnSpPr>
+        <p:spPr>
+          <a:xfrm>
+            <a:off x="320040" y="1617517"/>
+            <a:ext cx="6278880" cy="1796243"/>
+          </a:xfrm>
+          <a:prstGeom prst="straightConnector1">
+            <a:avLst/>
+          </a:prstGeom>
+          <a:ln w="38100">
+            <a:solidFill>
+              <a:schemeClr val="tx1"/>
+            </a:solidFill>
+            <a:tailEnd type="triangle"/>
+          </a:ln>
+        </p:spPr>
+        <p:style>
+          <a:lnRef idx="1">
+            <a:schemeClr val="accent1"/>
+          </a:lnRef>
+          <a:fillRef idx="0">
+            <a:schemeClr val="accent1"/>
+          </a:fillRef>
+          <a:effectRef idx="0">
+            <a:schemeClr val="accent1"/>
+          </a:effectRef>
+          <a:fontRef idx="minor">
+            <a:schemeClr val="tx1"/>
+          </a:fontRef>
+        </p:style>
+      </p:cxnSp>
+      <p:sp>
+        <p:nvSpPr>
+          <p:cNvPr id="12" name="TextBox 11">
+            <a:extLst>
+              <a:ext uri="{FF2B5EF4-FFF2-40B4-BE49-F238E27FC236}">
+                <a16:creationId xmlns:a16="http://schemas.microsoft.com/office/drawing/2014/main" id="{07B32276-3625-FF4D-B791-07291E5CFEC4}"/>
+              </a:ext>
+            </a:extLst>
+          </p:cNvPr>
+          <p:cNvSpPr txBox="1"/>
+          <p:nvPr/>
+        </p:nvSpPr>
+        <p:spPr>
+          <a:xfrm>
+            <a:off x="10287000" y="3566160"/>
+            <a:ext cx="1554480" cy="923330"/>
+          </a:xfrm>
+          <a:prstGeom prst="rect">
+            <a:avLst/>
+          </a:prstGeom>
+          <a:noFill/>
+        </p:spPr>
+        <p:txBody>
+          <a:bodyPr wrap="square" rtlCol="0">
+            <a:spAutoFit/>
+          </a:bodyPr>
+          <a:lstStyle/>
+          <a:p>
+            <a:pPr algn="ctr"/>
+            <a:r>
+              <a:rPr lang="en-US" dirty="0"/>
+              <a:t>Proposed </a:t>
+            </a:r>
+            <a:r>
+              <a:rPr lang="en-US" dirty="0" err="1"/>
+              <a:t>Coworking</a:t>
+            </a:r>
+            <a:r>
+              <a:rPr lang="en-US" dirty="0"/>
+              <a:t> Location</a:t>
+            </a:r>
+          </a:p>
+        </p:txBody>
+      </p:sp>
+      <p:cxnSp>
+        <p:nvCxnSpPr>
+          <p:cNvPr id="14" name="Straight Arrow Connector 13">
+            <a:extLst>
+              <a:ext uri="{FF2B5EF4-FFF2-40B4-BE49-F238E27FC236}">
+                <a16:creationId xmlns:a16="http://schemas.microsoft.com/office/drawing/2014/main" id="{E6A26B25-28BF-1C41-A3E2-56B007E1BFDC}"/>
+              </a:ext>
+            </a:extLst>
+          </p:cNvPr>
+          <p:cNvCxnSpPr>
+            <a:cxnSpLocks/>
+          </p:cNvCxnSpPr>
+          <p:nvPr/>
+        </p:nvCxnSpPr>
+        <p:spPr>
+          <a:xfrm flipH="1">
+            <a:off x="10744200" y="4428530"/>
+            <a:ext cx="381000" cy="1073110"/>
+          </a:xfrm>
+          <a:prstGeom prst="straightConnector1">
+            <a:avLst/>
+          </a:prstGeom>
+          <a:ln w="38100">
+            <a:solidFill>
+              <a:schemeClr val="tx1"/>
+            </a:solidFill>
+            <a:tailEnd type="triangle"/>
+          </a:ln>
+        </p:spPr>
+        <p:style>
+          <a:lnRef idx="1">
+            <a:schemeClr val="accent1"/>
+          </a:lnRef>
+          <a:fillRef idx="0">
+            <a:schemeClr val="accent1"/>
+          </a:fillRef>
+          <a:effectRef idx="0">
+            <a:schemeClr val="accent1"/>
+          </a:effectRef>
+          <a:fontRef idx="minor">
+            <a:schemeClr val="tx1"/>
+          </a:fontRef>
+        </p:style>
+      </p:cxnSp>
+      <p:sp>
+        <p:nvSpPr>
+          <p:cNvPr id="15" name="5-Point Star 14">
+            <a:extLst>
+              <a:ext uri="{FF2B5EF4-FFF2-40B4-BE49-F238E27FC236}">
+                <a16:creationId xmlns:a16="http://schemas.microsoft.com/office/drawing/2014/main" id="{6684DC2E-04DF-CD4C-B538-9AE1C3D8DA95}"/>
+              </a:ext>
+            </a:extLst>
+          </p:cNvPr>
+          <p:cNvSpPr/>
+          <p:nvPr/>
+        </p:nvSpPr>
+        <p:spPr>
+          <a:xfrm>
+            <a:off x="10515600" y="5425440"/>
+            <a:ext cx="327660" cy="289560"/>
+          </a:xfrm>
+          <a:prstGeom prst="star5">
+            <a:avLst/>
+          </a:prstGeom>
+        </p:spPr>
+        <p:style>
+          <a:lnRef idx="2">
+            <a:schemeClr val="accent1">
+              <a:shade val="50000"/>
+            </a:schemeClr>
+          </a:lnRef>
+          <a:fillRef idx="1">
+            <a:schemeClr val="accent1"/>
+          </a:fillRef>
+          <a:effectRef idx="0">
+            <a:schemeClr val="accent1"/>
+          </a:effectRef>
+          <a:fontRef idx="minor">
+            <a:schemeClr val="lt1"/>
+          </a:fontRef>
+        </p:style>
+        <p:txBody>
+          <a:bodyPr rtlCol="0" anchor="ctr"/>
+          <a:lstStyle/>
+          <a:p>
+            <a:pPr algn="ctr"/>
+            <a:endParaRPr lang="en-US"/>
+          </a:p>
+        </p:txBody>
+      </p:sp>
+    </p:spTree>
+    <p:extLst>
+      <p:ext uri="{BB962C8B-B14F-4D97-AF65-F5344CB8AC3E}">
+        <p14:creationId xmlns:p14="http://schemas.microsoft.com/office/powerpoint/2010/main" val="4059908091"/>
+      </p:ext>
+    </p:extLst>
+  </p:cSld>
+  <p:clrMapOvr>
+    <a:masterClrMapping/>
+  </p:clrMapOvr>
+</p:sld>
+</file>
+
+<file path=ppt/slides/slide8.xml><?xml version="1.0" encoding="utf-8"?>
+<p:sld xmlns:a="http://schemas.openxmlformats.org/drawingml/2006/main" xmlns:r="http://schemas.openxmlformats.org/officeDocument/2006/relationships" xmlns:p="http://schemas.openxmlformats.org/presentationml/2006/main">
+  <p:cSld>
+    <p:spTree>
+      <p:nvGrpSpPr>
+        <p:cNvPr id="1" name=""/>
+        <p:cNvGrpSpPr/>
+        <p:nvPr/>
+      </p:nvGrpSpPr>
+      <p:grpSpPr>
+        <a:xfrm>
+          <a:off x="0" y="0"/>
+          <a:ext cx="0" cy="0"/>
+          <a:chOff x="0" y="0"/>
+          <a:chExt cx="0" cy="0"/>
+        </a:xfrm>
+      </p:grpSpPr>
+      <p:sp>
+        <p:nvSpPr>
+          <p:cNvPr id="2" name="Title 1">
+            <a:extLst>
+              <a:ext uri="{FF2B5EF4-FFF2-40B4-BE49-F238E27FC236}">
+                <a16:creationId xmlns:a16="http://schemas.microsoft.com/office/drawing/2014/main" id="{4C577D44-7C65-C44B-B2F2-F03719084618}"/>
+              </a:ext>
+            </a:extLst>
+          </p:cNvPr>
+          <p:cNvSpPr>
+            <a:spLocks noGrp="1"/>
+          </p:cNvSpPr>
+          <p:nvPr>
+            <p:ph type="title"/>
+          </p:nvPr>
+        </p:nvSpPr>
+        <p:spPr>
+          <a:xfrm>
+            <a:off x="609600" y="416052"/>
+            <a:ext cx="10942320" cy="925068"/>
+          </a:xfrm>
+        </p:spPr>
+        <p:txBody>
+          <a:bodyPr>
+            <a:normAutofit fontScale="90000"/>
+          </a:bodyPr>
+          <a:lstStyle/>
+          <a:p>
+            <a:r>
+              <a:rPr lang="en-US" dirty="0"/>
+              <a:t>Commute Time to Any </a:t>
+            </a:r>
+            <a:r>
+              <a:rPr lang="en-US" dirty="0" err="1"/>
+              <a:t>Coworking</a:t>
+            </a:r>
+            <a:r>
+              <a:rPr lang="en-US" dirty="0"/>
+              <a:t> Space – Los Angeles Training Data</a:t>
+            </a:r>
+          </a:p>
+        </p:txBody>
+      </p:sp>
+      <p:pic>
+        <p:nvPicPr>
+          <p:cNvPr id="5" name="Picture 4">
+            <a:extLst>
+              <a:ext uri="{FF2B5EF4-FFF2-40B4-BE49-F238E27FC236}">
+                <a16:creationId xmlns:a16="http://schemas.microsoft.com/office/drawing/2014/main" id="{6BDA28E2-2EE0-974A-9058-995477B4245C}"/>
+              </a:ext>
+            </a:extLst>
+          </p:cNvPr>
+          <p:cNvPicPr>
+            <a:picLocks noChangeAspect="1"/>
+          </p:cNvPicPr>
+          <p:nvPr/>
+        </p:nvPicPr>
+        <p:blipFill>
+          <a:blip r:embed="rId2"/>
+          <a:stretch>
+            <a:fillRect/>
+          </a:stretch>
+        </p:blipFill>
+        <p:spPr>
+          <a:xfrm>
+            <a:off x="5989320" y="1795780"/>
+            <a:ext cx="5562600" cy="4241800"/>
+          </a:xfrm>
+          <a:prstGeom prst="rect">
+            <a:avLst/>
+          </a:prstGeom>
+        </p:spPr>
+      </p:pic>
+      <p:sp>
+        <p:nvSpPr>
+          <p:cNvPr id="7" name="Oval 6">
+            <a:extLst>
+              <a:ext uri="{FF2B5EF4-FFF2-40B4-BE49-F238E27FC236}">
+                <a16:creationId xmlns:a16="http://schemas.microsoft.com/office/drawing/2014/main" id="{E4F8C5A9-B93E-3D4C-82BE-1307C7C03371}"/>
+              </a:ext>
+            </a:extLst>
+          </p:cNvPr>
+          <p:cNvSpPr/>
+          <p:nvPr/>
+        </p:nvSpPr>
+        <p:spPr>
+          <a:xfrm>
+            <a:off x="7741920" y="3566160"/>
+            <a:ext cx="716280" cy="685800"/>
+          </a:xfrm>
+          <a:prstGeom prst="ellipse">
+            <a:avLst/>
+          </a:prstGeom>
+          <a:solidFill>
+            <a:srgbClr val="92D050">
+              <a:alpha val="57000"/>
+            </a:srgbClr>
+          </a:solidFill>
+          <a:ln>
+            <a:solidFill>
+              <a:srgbClr val="00B050"/>
+            </a:solidFill>
+          </a:ln>
+        </p:spPr>
+        <p:style>
+          <a:lnRef idx="2">
+            <a:schemeClr val="accent1">
+              <a:shade val="50000"/>
+            </a:schemeClr>
+          </a:lnRef>
+          <a:fillRef idx="1">
+            <a:schemeClr val="accent1"/>
+          </a:fillRef>
+          <a:effectRef idx="0">
+            <a:schemeClr val="accent1"/>
+          </a:effectRef>
+          <a:fontRef idx="minor">
+            <a:schemeClr val="lt1"/>
+          </a:fontRef>
+        </p:style>
+        <p:txBody>
+          <a:bodyPr rtlCol="0" anchor="ctr"/>
+          <a:lstStyle/>
+          <a:p>
+            <a:pPr algn="ctr"/>
+            <a:endParaRPr lang="en-US"/>
+          </a:p>
+        </p:txBody>
+      </p:sp>
+      <p:sp>
+        <p:nvSpPr>
+          <p:cNvPr id="6" name="5-Point Star 5">
+            <a:extLst>
+              <a:ext uri="{FF2B5EF4-FFF2-40B4-BE49-F238E27FC236}">
+                <a16:creationId xmlns:a16="http://schemas.microsoft.com/office/drawing/2014/main" id="{1799BBD1-755B-A24C-A07E-2F454E853F8D}"/>
+              </a:ext>
+            </a:extLst>
+          </p:cNvPr>
+          <p:cNvSpPr/>
+          <p:nvPr/>
+        </p:nvSpPr>
+        <p:spPr>
+          <a:xfrm>
+            <a:off x="7985760" y="3779520"/>
+            <a:ext cx="243840" cy="228600"/>
+          </a:xfrm>
+          <a:prstGeom prst="star5">
+            <a:avLst/>
+          </a:prstGeom>
+          <a:solidFill>
+            <a:srgbClr val="7030A0"/>
+          </a:solidFill>
+          <a:ln>
+            <a:solidFill>
+              <a:srgbClr val="7030A0"/>
+            </a:solidFill>
+          </a:ln>
+        </p:spPr>
+        <p:style>
+          <a:lnRef idx="2">
+            <a:schemeClr val="accent1">
+              <a:shade val="50000"/>
+            </a:schemeClr>
+          </a:lnRef>
+          <a:fillRef idx="1">
+            <a:schemeClr val="accent1"/>
+          </a:fillRef>
+          <a:effectRef idx="0">
+            <a:schemeClr val="accent1"/>
+          </a:effectRef>
+          <a:fontRef idx="minor">
+            <a:schemeClr val="lt1"/>
+          </a:fontRef>
+        </p:style>
+        <p:txBody>
+          <a:bodyPr rtlCol="0" anchor="ctr"/>
+          <a:lstStyle/>
+          <a:p>
+            <a:pPr algn="ctr"/>
+            <a:endParaRPr lang="en-US"/>
+          </a:p>
+        </p:txBody>
+      </p:sp>
+      <p:sp>
+        <p:nvSpPr>
+          <p:cNvPr id="8" name="Oval 7">
+            <a:extLst>
+              <a:ext uri="{FF2B5EF4-FFF2-40B4-BE49-F238E27FC236}">
+                <a16:creationId xmlns:a16="http://schemas.microsoft.com/office/drawing/2014/main" id="{DB2EAACA-E7F9-2B44-87F2-63C8D26F322B}"/>
+              </a:ext>
+            </a:extLst>
+          </p:cNvPr>
+          <p:cNvSpPr/>
+          <p:nvPr/>
+        </p:nvSpPr>
+        <p:spPr>
+          <a:xfrm>
+            <a:off x="9067800" y="3977640"/>
+            <a:ext cx="716280" cy="685800"/>
+          </a:xfrm>
+          <a:prstGeom prst="ellipse">
+            <a:avLst/>
+          </a:prstGeom>
+          <a:solidFill>
+            <a:schemeClr val="accent3">
+              <a:lumMod val="60000"/>
+              <a:lumOff val="40000"/>
+              <a:alpha val="57000"/>
+            </a:schemeClr>
+          </a:solidFill>
+          <a:ln>
+            <a:solidFill>
+              <a:srgbClr val="FF0000"/>
+            </a:solidFill>
+          </a:ln>
+        </p:spPr>
+        <p:style>
+          <a:lnRef idx="2">
+            <a:schemeClr val="accent1">
+              <a:shade val="50000"/>
+            </a:schemeClr>
+          </a:lnRef>
+          <a:fillRef idx="1">
+            <a:schemeClr val="accent1"/>
+          </a:fillRef>
+          <a:effectRef idx="0">
+            <a:schemeClr val="accent1"/>
+          </a:effectRef>
+          <a:fontRef idx="minor">
+            <a:schemeClr val="lt1"/>
+          </a:fontRef>
+        </p:style>
+        <p:txBody>
+          <a:bodyPr rtlCol="0" anchor="ctr"/>
+          <a:lstStyle/>
+          <a:p>
+            <a:pPr algn="ctr"/>
+            <a:endParaRPr lang="en-US"/>
+          </a:p>
+        </p:txBody>
+      </p:sp>
+      <p:sp>
+        <p:nvSpPr>
+          <p:cNvPr id="9" name="5-Point Star 8">
+            <a:extLst>
+              <a:ext uri="{FF2B5EF4-FFF2-40B4-BE49-F238E27FC236}">
+                <a16:creationId xmlns:a16="http://schemas.microsoft.com/office/drawing/2014/main" id="{24B2BA17-BAF7-6444-8189-F4DDDA913905}"/>
+              </a:ext>
+            </a:extLst>
+          </p:cNvPr>
+          <p:cNvSpPr/>
+          <p:nvPr/>
+        </p:nvSpPr>
+        <p:spPr>
+          <a:xfrm>
+            <a:off x="9311640" y="4191000"/>
+            <a:ext cx="243840" cy="228600"/>
+          </a:xfrm>
+          <a:prstGeom prst="star5">
+            <a:avLst/>
+          </a:prstGeom>
+          <a:solidFill>
+            <a:srgbClr val="00B0F0"/>
+          </a:solidFill>
+          <a:ln>
+            <a:solidFill>
+              <a:srgbClr val="00B0F0"/>
+            </a:solidFill>
+          </a:ln>
+        </p:spPr>
+        <p:style>
+          <a:lnRef idx="2">
+            <a:schemeClr val="accent1">
+              <a:shade val="50000"/>
+            </a:schemeClr>
+          </a:lnRef>
+          <a:fillRef idx="1">
+            <a:schemeClr val="accent1"/>
+          </a:fillRef>
+          <a:effectRef idx="0">
+            <a:schemeClr val="accent1"/>
+          </a:effectRef>
+          <a:fontRef idx="minor">
+            <a:schemeClr val="lt1"/>
+          </a:fontRef>
+        </p:style>
+        <p:txBody>
+          <a:bodyPr rtlCol="0" anchor="ctr"/>
+          <a:lstStyle/>
+          <a:p>
+            <a:pPr algn="ctr"/>
+            <a:endParaRPr lang="en-US"/>
+          </a:p>
+        </p:txBody>
+      </p:sp>
+      <p:sp>
+        <p:nvSpPr>
+          <p:cNvPr id="10" name="TextBox 9">
+            <a:extLst>
+              <a:ext uri="{FF2B5EF4-FFF2-40B4-BE49-F238E27FC236}">
+                <a16:creationId xmlns:a16="http://schemas.microsoft.com/office/drawing/2014/main" id="{2C43A301-5FBD-E04B-A398-4C3269AC4603}"/>
+              </a:ext>
+            </a:extLst>
+          </p:cNvPr>
+          <p:cNvSpPr txBox="1"/>
+          <p:nvPr/>
+        </p:nvSpPr>
+        <p:spPr>
+          <a:xfrm>
+            <a:off x="632460" y="1888490"/>
+            <a:ext cx="5097780" cy="4247317"/>
+          </a:xfrm>
+          <a:prstGeom prst="rect">
+            <a:avLst/>
+          </a:prstGeom>
+          <a:noFill/>
+        </p:spPr>
+        <p:txBody>
+          <a:bodyPr wrap="square" rtlCol="0">
+            <a:spAutoFit/>
+          </a:bodyPr>
+          <a:lstStyle/>
+          <a:p>
+            <a:r>
+              <a:rPr lang="en-US" dirty="0"/>
+              <a:t>Within a 20 minute drive time to </a:t>
+            </a:r>
+            <a:r>
+              <a:rPr lang="en-US" dirty="0" err="1"/>
+              <a:t>Coworking</a:t>
+            </a:r>
+            <a:r>
+              <a:rPr lang="en-US" dirty="0"/>
+              <a:t> Space, therefore </a:t>
+            </a:r>
+            <a:r>
+              <a:rPr lang="en-US" dirty="0" err="1"/>
+              <a:t>CommuteTime</a:t>
+            </a:r>
+            <a:r>
+              <a:rPr lang="en-US" dirty="0"/>
+              <a:t> = “Yes”</a:t>
+            </a:r>
+          </a:p>
+          <a:p>
+            <a:endParaRPr lang="en-US" dirty="0"/>
+          </a:p>
+          <a:p>
+            <a:r>
+              <a:rPr lang="en-US" dirty="0"/>
+              <a:t>Not within a 20 minute drive to a </a:t>
+            </a:r>
+            <a:r>
+              <a:rPr lang="en-US" dirty="0" err="1"/>
+              <a:t>Coworking</a:t>
+            </a:r>
+            <a:r>
+              <a:rPr lang="en-US" dirty="0"/>
+              <a:t> Space, therefore </a:t>
+            </a:r>
+            <a:r>
+              <a:rPr lang="en-US" dirty="0" err="1"/>
+              <a:t>CommuteTime</a:t>
+            </a:r>
+            <a:r>
+              <a:rPr lang="en-US" dirty="0"/>
+              <a:t> = “No”</a:t>
+            </a:r>
+          </a:p>
+          <a:p>
+            <a:endParaRPr lang="en-US" dirty="0"/>
+          </a:p>
+          <a:p>
+            <a:endParaRPr lang="en-US" dirty="0"/>
+          </a:p>
+          <a:p>
+            <a:r>
+              <a:rPr lang="en-US" dirty="0"/>
+              <a:t>In order to minimize our limited calls to Google Maps API, I have computed the Euclidean distances between each Census Tract and each </a:t>
+            </a:r>
+            <a:r>
+              <a:rPr lang="en-US" dirty="0" err="1"/>
+              <a:t>Coworking</a:t>
+            </a:r>
+            <a:r>
+              <a:rPr lang="en-US" dirty="0"/>
+              <a:t> Space. I have computed drive time between each Census Tract and its geographically closest </a:t>
+            </a:r>
+            <a:r>
+              <a:rPr lang="en-US" dirty="0" err="1"/>
+              <a:t>Coworking</a:t>
+            </a:r>
+            <a:r>
+              <a:rPr lang="en-US" dirty="0"/>
+              <a:t> Space. This is ported to each individual LA County Census observation as a “Yes” or “No” for 20-minute drive time to any </a:t>
+            </a:r>
+            <a:r>
+              <a:rPr lang="en-US" dirty="0" err="1"/>
+              <a:t>Coworking</a:t>
+            </a:r>
+            <a:r>
+              <a:rPr lang="en-US" dirty="0"/>
+              <a:t> Space.</a:t>
+            </a:r>
+          </a:p>
+        </p:txBody>
+      </p:sp>
+      <p:sp>
+        <p:nvSpPr>
+          <p:cNvPr id="11" name="5-Point Star 10">
+            <a:extLst>
+              <a:ext uri="{FF2B5EF4-FFF2-40B4-BE49-F238E27FC236}">
+                <a16:creationId xmlns:a16="http://schemas.microsoft.com/office/drawing/2014/main" id="{ECEAC689-3954-7441-AC90-34A5E17F0A1E}"/>
+              </a:ext>
+            </a:extLst>
+          </p:cNvPr>
+          <p:cNvSpPr/>
+          <p:nvPr/>
+        </p:nvSpPr>
+        <p:spPr>
+          <a:xfrm>
+            <a:off x="388620" y="1903730"/>
+            <a:ext cx="243840" cy="228600"/>
+          </a:xfrm>
+          <a:prstGeom prst="star5">
+            <a:avLst/>
+          </a:prstGeom>
+          <a:solidFill>
+            <a:srgbClr val="7030A0"/>
+          </a:solidFill>
+          <a:ln>
+            <a:solidFill>
+              <a:srgbClr val="7030A0"/>
+            </a:solidFill>
+          </a:ln>
+        </p:spPr>
+        <p:style>
+          <a:lnRef idx="2">
+            <a:schemeClr val="accent1">
+              <a:shade val="50000"/>
+            </a:schemeClr>
+          </a:lnRef>
+          <a:fillRef idx="1">
+            <a:schemeClr val="accent1"/>
+          </a:fillRef>
+          <a:effectRef idx="0">
+            <a:schemeClr val="accent1"/>
+          </a:effectRef>
+          <a:fontRef idx="minor">
+            <a:schemeClr val="lt1"/>
+          </a:fontRef>
+        </p:style>
+        <p:txBody>
+          <a:bodyPr rtlCol="0" anchor="ctr"/>
+          <a:lstStyle/>
+          <a:p>
+            <a:pPr algn="ctr"/>
+            <a:endParaRPr lang="en-US"/>
+          </a:p>
+        </p:txBody>
+      </p:sp>
+      <p:sp>
+        <p:nvSpPr>
+          <p:cNvPr id="12" name="5-Point Star 11">
+            <a:extLst>
+              <a:ext uri="{FF2B5EF4-FFF2-40B4-BE49-F238E27FC236}">
+                <a16:creationId xmlns:a16="http://schemas.microsoft.com/office/drawing/2014/main" id="{44CBB14E-AA25-4E4F-9A25-13CE0FDAA8E9}"/>
+              </a:ext>
+            </a:extLst>
+          </p:cNvPr>
+          <p:cNvSpPr/>
+          <p:nvPr/>
+        </p:nvSpPr>
+        <p:spPr>
+          <a:xfrm>
+            <a:off x="388620" y="2743200"/>
+            <a:ext cx="243840" cy="228600"/>
+          </a:xfrm>
+          <a:prstGeom prst="star5">
+            <a:avLst/>
+          </a:prstGeom>
+          <a:solidFill>
+            <a:srgbClr val="00B0F0"/>
+          </a:solidFill>
+          <a:ln>
+            <a:solidFill>
+              <a:srgbClr val="00B0F0"/>
+            </a:solidFill>
+          </a:ln>
+        </p:spPr>
+        <p:style>
+          <a:lnRef idx="2">
+            <a:schemeClr val="accent1">
+              <a:shade val="50000"/>
+            </a:schemeClr>
+          </a:lnRef>
+          <a:fillRef idx="1">
+            <a:schemeClr val="accent1"/>
+          </a:fillRef>
+          <a:effectRef idx="0">
+            <a:schemeClr val="accent1"/>
+          </a:effectRef>
+          <a:fontRef idx="minor">
+            <a:schemeClr val="lt1"/>
+          </a:fontRef>
+        </p:style>
+        <p:txBody>
+          <a:bodyPr rtlCol="0" anchor="ctr"/>
+          <a:lstStyle/>
+          <a:p>
+            <a:pPr algn="ctr"/>
+            <a:endParaRPr lang="en-US"/>
+          </a:p>
+        </p:txBody>
+      </p:sp>
+    </p:spTree>
+    <p:extLst>
+      <p:ext uri="{BB962C8B-B14F-4D97-AF65-F5344CB8AC3E}">
+        <p14:creationId xmlns:p14="http://schemas.microsoft.com/office/powerpoint/2010/main" val="2905794232"/>
+      </p:ext>
+    </p:extLst>
+  </p:cSld>
+  <p:clrMapOvr>
+    <a:masterClrMapping/>
+  </p:clrMapOvr>
+</p:sld>
+</file>
+
 <file path=ppt/theme/theme1.xml><?xml version="1.0" encoding="utf-8"?>
 <a:theme xmlns:a="http://schemas.openxmlformats.org/drawingml/2006/main" name="Parcel">
   <a:themeElements>

--- a/Data/Springboard Deliverables/Coworking Presentation.pptx
+++ b/Data/Springboard Deliverables/Coworking Presentation.pptx
@@ -8911,7 +8911,7 @@
           <a:p>
             <a:fld id="{EFF19B0D-0FEA-7C4C-9EA5-400B073B78BD}" type="datetimeFigureOut">
               <a:rPr lang="en-US" smtClean="0"/>
-              <a:t>4/13/18</a:t>
+              <a:t>4/25/18</a:t>
             </a:fld>
             <a:endParaRPr lang="en-US"/>
           </a:p>
@@ -9081,7 +9081,7 @@
           <a:p>
             <a:fld id="{EFF19B0D-0FEA-7C4C-9EA5-400B073B78BD}" type="datetimeFigureOut">
               <a:rPr lang="en-US" smtClean="0"/>
-              <a:t>4/13/18</a:t>
+              <a:t>4/25/18</a:t>
             </a:fld>
             <a:endParaRPr lang="en-US"/>
           </a:p>
@@ -9261,7 +9261,7 @@
           <a:p>
             <a:fld id="{EFF19B0D-0FEA-7C4C-9EA5-400B073B78BD}" type="datetimeFigureOut">
               <a:rPr lang="en-US" smtClean="0"/>
-              <a:t>4/13/18</a:t>
+              <a:t>4/25/18</a:t>
             </a:fld>
             <a:endParaRPr lang="en-US"/>
           </a:p>
@@ -9431,7 +9431,7 @@
           <a:p>
             <a:fld id="{EFF19B0D-0FEA-7C4C-9EA5-400B073B78BD}" type="datetimeFigureOut">
               <a:rPr lang="en-US" smtClean="0"/>
-              <a:t>4/13/18</a:t>
+              <a:t>4/25/18</a:t>
             </a:fld>
             <a:endParaRPr lang="en-US"/>
           </a:p>
@@ -9699,7 +9699,7 @@
           <a:p>
             <a:fld id="{EFF19B0D-0FEA-7C4C-9EA5-400B073B78BD}" type="datetimeFigureOut">
               <a:rPr lang="en-US" smtClean="0"/>
-              <a:t>4/13/18</a:t>
+              <a:t>4/25/18</a:t>
             </a:fld>
             <a:endParaRPr lang="en-US"/>
           </a:p>
@@ -9931,7 +9931,7 @@
           <a:p>
             <a:fld id="{EFF19B0D-0FEA-7C4C-9EA5-400B073B78BD}" type="datetimeFigureOut">
               <a:rPr lang="en-US" smtClean="0"/>
-              <a:t>4/13/18</a:t>
+              <a:t>4/25/18</a:t>
             </a:fld>
             <a:endParaRPr lang="en-US"/>
           </a:p>
@@ -10290,7 +10290,7 @@
           <a:p>
             <a:fld id="{EFF19B0D-0FEA-7C4C-9EA5-400B073B78BD}" type="datetimeFigureOut">
               <a:rPr lang="en-US" smtClean="0"/>
-              <a:t>4/13/18</a:t>
+              <a:t>4/25/18</a:t>
             </a:fld>
             <a:endParaRPr lang="en-US"/>
           </a:p>
@@ -10431,7 +10431,7 @@
           <a:p>
             <a:fld id="{EFF19B0D-0FEA-7C4C-9EA5-400B073B78BD}" type="datetimeFigureOut">
               <a:rPr lang="en-US" smtClean="0"/>
-              <a:t>4/13/18</a:t>
+              <a:t>4/25/18</a:t>
             </a:fld>
             <a:endParaRPr lang="en-US"/>
           </a:p>
@@ -10526,7 +10526,7 @@
           <a:p>
             <a:fld id="{EFF19B0D-0FEA-7C4C-9EA5-400B073B78BD}" type="datetimeFigureOut">
               <a:rPr lang="en-US" smtClean="0"/>
-              <a:t>4/13/18</a:t>
+              <a:t>4/25/18</a:t>
             </a:fld>
             <a:endParaRPr lang="en-US"/>
           </a:p>
@@ -10883,7 +10883,7 @@
           <a:p>
             <a:fld id="{EFF19B0D-0FEA-7C4C-9EA5-400B073B78BD}" type="datetimeFigureOut">
               <a:rPr lang="en-US" smtClean="0"/>
-              <a:t>4/13/18</a:t>
+              <a:t>4/25/18</a:t>
             </a:fld>
             <a:endParaRPr lang="en-US"/>
           </a:p>
@@ -11240,7 +11240,7 @@
           <a:p>
             <a:fld id="{EFF19B0D-0FEA-7C4C-9EA5-400B073B78BD}" type="datetimeFigureOut">
               <a:rPr lang="en-US" smtClean="0"/>
-              <a:t>4/13/18</a:t>
+              <a:t>4/25/18</a:t>
             </a:fld>
             <a:endParaRPr lang="en-US"/>
           </a:p>
@@ -11481,7 +11481,7 @@
           <a:p>
             <a:fld id="{EFF19B0D-0FEA-7C4C-9EA5-400B073B78BD}" type="datetimeFigureOut">
               <a:rPr lang="en-US" smtClean="0"/>
-              <a:t>4/13/18</a:t>
+              <a:t>4/25/18</a:t>
             </a:fld>
             <a:endParaRPr lang="en-US"/>
           </a:p>
@@ -13048,13 +13048,13 @@
             </a:extLst>
           </p:cNvPr>
           <p:cNvCxnSpPr>
-            <a:stCxn id="7" idx="2"/>
+            <a:cxnSpLocks/>
           </p:cNvCxnSpPr>
           <p:nvPr/>
         </p:nvCxnSpPr>
         <p:spPr>
           <a:xfrm>
-            <a:off x="9227820" y="1664732"/>
+            <a:off x="9212830" y="1664732"/>
             <a:ext cx="0" cy="743188"/>
           </a:xfrm>
           <a:prstGeom prst="straightConnector1">
@@ -13409,6 +13409,48 @@
           </p:txBody>
         </p:sp>
       </p:grpSp>
+      <p:cxnSp>
+        <p:nvCxnSpPr>
+          <p:cNvPr id="17" name="Straight Arrow Connector 16">
+            <a:extLst>
+              <a:ext uri="{FF2B5EF4-FFF2-40B4-BE49-F238E27FC236}">
+                <a16:creationId xmlns:a16="http://schemas.microsoft.com/office/drawing/2014/main" id="{F9539515-FF6E-4647-9A25-461877590BF6}"/>
+              </a:ext>
+            </a:extLst>
+          </p:cNvPr>
+          <p:cNvCxnSpPr/>
+          <p:nvPr/>
+        </p:nvCxnSpPr>
+        <p:spPr>
+          <a:xfrm>
+            <a:off x="9212830" y="5432180"/>
+            <a:ext cx="0" cy="743188"/>
+          </a:xfrm>
+          <a:prstGeom prst="straightConnector1">
+            <a:avLst/>
+          </a:prstGeom>
+          <a:ln w="44450">
+            <a:solidFill>
+              <a:schemeClr val="tx1"/>
+            </a:solidFill>
+            <a:tailEnd type="triangle"/>
+          </a:ln>
+        </p:spPr>
+        <p:style>
+          <a:lnRef idx="1">
+            <a:schemeClr val="accent1"/>
+          </a:lnRef>
+          <a:fillRef idx="0">
+            <a:schemeClr val="accent1"/>
+          </a:fillRef>
+          <a:effectRef idx="0">
+            <a:schemeClr val="accent1"/>
+          </a:effectRef>
+          <a:fontRef idx="minor">
+            <a:schemeClr val="tx1"/>
+          </a:fontRef>
+        </p:style>
+      </p:cxnSp>
     </p:spTree>
     <p:extLst>
       <p:ext uri="{BB962C8B-B14F-4D97-AF65-F5344CB8AC3E}">

--- a/Data/Springboard Deliverables/Coworking Presentation.pptx
+++ b/Data/Springboard Deliverables/Coworking Presentation.pptx
@@ -13,6 +13,8 @@
     <p:sldId id="261" r:id="rId7"/>
     <p:sldId id="262" r:id="rId8"/>
     <p:sldId id="263" r:id="rId9"/>
+    <p:sldId id="264" r:id="rId10"/>
+    <p:sldId id="265" r:id="rId11"/>
   </p:sldIdLst>
   <p:sldSz cx="12192000" cy="6858000"/>
   <p:notesSz cx="6858000" cy="9144000"/>
@@ -8911,7 +8913,7 @@
           <a:p>
             <a:fld id="{EFF19B0D-0FEA-7C4C-9EA5-400B073B78BD}" type="datetimeFigureOut">
               <a:rPr lang="en-US" smtClean="0"/>
-              <a:t>4/25/18</a:t>
+              <a:t>4/29/18</a:t>
             </a:fld>
             <a:endParaRPr lang="en-US"/>
           </a:p>
@@ -9081,7 +9083,7 @@
           <a:p>
             <a:fld id="{EFF19B0D-0FEA-7C4C-9EA5-400B073B78BD}" type="datetimeFigureOut">
               <a:rPr lang="en-US" smtClean="0"/>
-              <a:t>4/25/18</a:t>
+              <a:t>4/29/18</a:t>
             </a:fld>
             <a:endParaRPr lang="en-US"/>
           </a:p>
@@ -9261,7 +9263,7 @@
           <a:p>
             <a:fld id="{EFF19B0D-0FEA-7C4C-9EA5-400B073B78BD}" type="datetimeFigureOut">
               <a:rPr lang="en-US" smtClean="0"/>
-              <a:t>4/25/18</a:t>
+              <a:t>4/29/18</a:t>
             </a:fld>
             <a:endParaRPr lang="en-US"/>
           </a:p>
@@ -9431,7 +9433,7 @@
           <a:p>
             <a:fld id="{EFF19B0D-0FEA-7C4C-9EA5-400B073B78BD}" type="datetimeFigureOut">
               <a:rPr lang="en-US" smtClean="0"/>
-              <a:t>4/25/18</a:t>
+              <a:t>4/29/18</a:t>
             </a:fld>
             <a:endParaRPr lang="en-US"/>
           </a:p>
@@ -9699,7 +9701,7 @@
           <a:p>
             <a:fld id="{EFF19B0D-0FEA-7C4C-9EA5-400B073B78BD}" type="datetimeFigureOut">
               <a:rPr lang="en-US" smtClean="0"/>
-              <a:t>4/25/18</a:t>
+              <a:t>4/29/18</a:t>
             </a:fld>
             <a:endParaRPr lang="en-US"/>
           </a:p>
@@ -9931,7 +9933,7 @@
           <a:p>
             <a:fld id="{EFF19B0D-0FEA-7C4C-9EA5-400B073B78BD}" type="datetimeFigureOut">
               <a:rPr lang="en-US" smtClean="0"/>
-              <a:t>4/25/18</a:t>
+              <a:t>4/29/18</a:t>
             </a:fld>
             <a:endParaRPr lang="en-US"/>
           </a:p>
@@ -10290,7 +10292,7 @@
           <a:p>
             <a:fld id="{EFF19B0D-0FEA-7C4C-9EA5-400B073B78BD}" type="datetimeFigureOut">
               <a:rPr lang="en-US" smtClean="0"/>
-              <a:t>4/25/18</a:t>
+              <a:t>4/29/18</a:t>
             </a:fld>
             <a:endParaRPr lang="en-US"/>
           </a:p>
@@ -10431,7 +10433,7 @@
           <a:p>
             <a:fld id="{EFF19B0D-0FEA-7C4C-9EA5-400B073B78BD}" type="datetimeFigureOut">
               <a:rPr lang="en-US" smtClean="0"/>
-              <a:t>4/25/18</a:t>
+              <a:t>4/29/18</a:t>
             </a:fld>
             <a:endParaRPr lang="en-US"/>
           </a:p>
@@ -10526,7 +10528,7 @@
           <a:p>
             <a:fld id="{EFF19B0D-0FEA-7C4C-9EA5-400B073B78BD}" type="datetimeFigureOut">
               <a:rPr lang="en-US" smtClean="0"/>
-              <a:t>4/25/18</a:t>
+              <a:t>4/29/18</a:t>
             </a:fld>
             <a:endParaRPr lang="en-US"/>
           </a:p>
@@ -10883,7 +10885,7 @@
           <a:p>
             <a:fld id="{EFF19B0D-0FEA-7C4C-9EA5-400B073B78BD}" type="datetimeFigureOut">
               <a:rPr lang="en-US" smtClean="0"/>
-              <a:t>4/25/18</a:t>
+              <a:t>4/29/18</a:t>
             </a:fld>
             <a:endParaRPr lang="en-US"/>
           </a:p>
@@ -11240,7 +11242,7 @@
           <a:p>
             <a:fld id="{EFF19B0D-0FEA-7C4C-9EA5-400B073B78BD}" type="datetimeFigureOut">
               <a:rPr lang="en-US" smtClean="0"/>
-              <a:t>4/25/18</a:t>
+              <a:t>4/29/18</a:t>
             </a:fld>
             <a:endParaRPr lang="en-US"/>
           </a:p>
@@ -11481,7 +11483,7 @@
           <a:p>
             <a:fld id="{EFF19B0D-0FEA-7C4C-9EA5-400B073B78BD}" type="datetimeFigureOut">
               <a:rPr lang="en-US" smtClean="0"/>
-              <a:t>4/25/18</a:t>
+              <a:t>4/29/18</a:t>
             </a:fld>
             <a:endParaRPr lang="en-US"/>
           </a:p>
@@ -12016,6 +12018,177 @@
     <p:extLst>
       <p:ext uri="{BB962C8B-B14F-4D97-AF65-F5344CB8AC3E}">
         <p14:creationId xmlns:p14="http://schemas.microsoft.com/office/powerpoint/2010/main" val="347728418"/>
+      </p:ext>
+    </p:extLst>
+  </p:cSld>
+  <p:clrMapOvr>
+    <a:masterClrMapping/>
+  </p:clrMapOvr>
+</p:sld>
+</file>
+
+<file path=ppt/slides/slide10.xml><?xml version="1.0" encoding="utf-8"?>
+<p:sld xmlns:a="http://schemas.openxmlformats.org/drawingml/2006/main" xmlns:r="http://schemas.openxmlformats.org/officeDocument/2006/relationships" xmlns:p="http://schemas.openxmlformats.org/presentationml/2006/main">
+  <p:cSld>
+    <p:spTree>
+      <p:nvGrpSpPr>
+        <p:cNvPr id="1" name=""/>
+        <p:cNvGrpSpPr/>
+        <p:nvPr/>
+      </p:nvGrpSpPr>
+      <p:grpSpPr>
+        <a:xfrm>
+          <a:off x="0" y="0"/>
+          <a:ext cx="0" cy="0"/>
+          <a:chOff x="0" y="0"/>
+          <a:chExt cx="0" cy="0"/>
+        </a:xfrm>
+      </p:grpSpPr>
+      <p:pic>
+        <p:nvPicPr>
+          <p:cNvPr id="14" name="Picture 13">
+            <a:extLst>
+              <a:ext uri="{FF2B5EF4-FFF2-40B4-BE49-F238E27FC236}">
+                <a16:creationId xmlns:a16="http://schemas.microsoft.com/office/drawing/2014/main" id="{B68E97CA-7512-E14E-9C69-91DCB58EC79E}"/>
+              </a:ext>
+            </a:extLst>
+          </p:cNvPr>
+          <p:cNvPicPr>
+            <a:picLocks noChangeAspect="1"/>
+          </p:cNvPicPr>
+          <p:nvPr/>
+        </p:nvPicPr>
+        <p:blipFill>
+          <a:blip r:embed="rId2"/>
+          <a:stretch>
+            <a:fillRect/>
+          </a:stretch>
+        </p:blipFill>
+        <p:spPr>
+          <a:xfrm>
+            <a:off x="1394694" y="1086654"/>
+            <a:ext cx="9283705" cy="5613403"/>
+          </a:xfrm>
+          <a:prstGeom prst="rect">
+            <a:avLst/>
+          </a:prstGeom>
+        </p:spPr>
+      </p:pic>
+      <p:sp>
+        <p:nvSpPr>
+          <p:cNvPr id="2" name="Title 1">
+            <a:extLst>
+              <a:ext uri="{FF2B5EF4-FFF2-40B4-BE49-F238E27FC236}">
+                <a16:creationId xmlns:a16="http://schemas.microsoft.com/office/drawing/2014/main" id="{62AF8305-19F6-9942-B285-264CDD492BB4}"/>
+              </a:ext>
+            </a:extLst>
+          </p:cNvPr>
+          <p:cNvSpPr>
+            <a:spLocks noGrp="1"/>
+          </p:cNvSpPr>
+          <p:nvPr>
+            <p:ph type="title"/>
+          </p:nvPr>
+        </p:nvSpPr>
+        <p:spPr>
+          <a:xfrm>
+            <a:off x="881148" y="132872"/>
+            <a:ext cx="10507287" cy="781528"/>
+          </a:xfrm>
+        </p:spPr>
+        <p:txBody>
+          <a:bodyPr/>
+          <a:lstStyle/>
+          <a:p>
+            <a:r>
+              <a:rPr lang="en-US" dirty="0"/>
+              <a:t>Comparison of all three test sites</a:t>
+            </a:r>
+          </a:p>
+        </p:txBody>
+      </p:sp>
+      <p:cxnSp>
+        <p:nvCxnSpPr>
+          <p:cNvPr id="6" name="Straight Connector 5">
+            <a:extLst>
+              <a:ext uri="{FF2B5EF4-FFF2-40B4-BE49-F238E27FC236}">
+                <a16:creationId xmlns:a16="http://schemas.microsoft.com/office/drawing/2014/main" id="{0AF5B693-1D3C-A847-8FAB-ABDFD84339E4}"/>
+              </a:ext>
+            </a:extLst>
+          </p:cNvPr>
+          <p:cNvCxnSpPr>
+            <a:cxnSpLocks/>
+          </p:cNvCxnSpPr>
+          <p:nvPr/>
+        </p:nvCxnSpPr>
+        <p:spPr>
+          <a:xfrm>
+            <a:off x="2259435" y="4726807"/>
+            <a:ext cx="8214601" cy="0"/>
+          </a:xfrm>
+          <a:prstGeom prst="line">
+            <a:avLst/>
+          </a:prstGeom>
+          <a:ln w="31750"/>
+        </p:spPr>
+        <p:style>
+          <a:lnRef idx="1">
+            <a:schemeClr val="accent1"/>
+          </a:lnRef>
+          <a:fillRef idx="0">
+            <a:schemeClr val="accent1"/>
+          </a:fillRef>
+          <a:effectRef idx="0">
+            <a:schemeClr val="accent1"/>
+          </a:effectRef>
+          <a:fontRef idx="minor">
+            <a:schemeClr val="tx1"/>
+          </a:fontRef>
+        </p:style>
+      </p:cxnSp>
+      <p:cxnSp>
+        <p:nvCxnSpPr>
+          <p:cNvPr id="7" name="Straight Connector 6">
+            <a:extLst>
+              <a:ext uri="{FF2B5EF4-FFF2-40B4-BE49-F238E27FC236}">
+                <a16:creationId xmlns:a16="http://schemas.microsoft.com/office/drawing/2014/main" id="{750C1427-CB1B-934E-BBC6-04ECA29BF6A9}"/>
+              </a:ext>
+            </a:extLst>
+          </p:cNvPr>
+          <p:cNvCxnSpPr>
+            <a:cxnSpLocks/>
+          </p:cNvCxnSpPr>
+          <p:nvPr/>
+        </p:nvCxnSpPr>
+        <p:spPr>
+          <a:xfrm>
+            <a:off x="2245585" y="3881686"/>
+            <a:ext cx="8228451" cy="0"/>
+          </a:xfrm>
+          <a:prstGeom prst="line">
+            <a:avLst/>
+          </a:prstGeom>
+          <a:ln w="31750"/>
+        </p:spPr>
+        <p:style>
+          <a:lnRef idx="1">
+            <a:schemeClr val="accent1"/>
+          </a:lnRef>
+          <a:fillRef idx="0">
+            <a:schemeClr val="accent1"/>
+          </a:fillRef>
+          <a:effectRef idx="0">
+            <a:schemeClr val="accent1"/>
+          </a:effectRef>
+          <a:fontRef idx="minor">
+            <a:schemeClr val="tx1"/>
+          </a:fontRef>
+        </p:style>
+      </p:cxnSp>
+    </p:spTree>
+    <p:extLst>
+      <p:ext uri="{BB962C8B-B14F-4D97-AF65-F5344CB8AC3E}">
+        <p14:creationId xmlns:p14="http://schemas.microsoft.com/office/powerpoint/2010/main" val="1968849615"/>
       </p:ext>
     </p:extLst>
   </p:cSld>
@@ -14360,6 +14533,474 @@
 </p:sld>
 </file>
 
+<file path=ppt/slides/slide9.xml><?xml version="1.0" encoding="utf-8"?>
+<p:sld xmlns:a="http://schemas.openxmlformats.org/drawingml/2006/main" xmlns:r="http://schemas.openxmlformats.org/officeDocument/2006/relationships" xmlns:p="http://schemas.openxmlformats.org/presentationml/2006/main">
+  <p:cSld>
+    <p:spTree>
+      <p:nvGrpSpPr>
+        <p:cNvPr id="1" name=""/>
+        <p:cNvGrpSpPr/>
+        <p:nvPr/>
+      </p:nvGrpSpPr>
+      <p:grpSpPr>
+        <a:xfrm>
+          <a:off x="0" y="0"/>
+          <a:ext cx="0" cy="0"/>
+          <a:chOff x="0" y="0"/>
+          <a:chExt cx="0" cy="0"/>
+        </a:xfrm>
+      </p:grpSpPr>
+      <p:sp>
+        <p:nvSpPr>
+          <p:cNvPr id="2" name="Title 1">
+            <a:extLst>
+              <a:ext uri="{FF2B5EF4-FFF2-40B4-BE49-F238E27FC236}">
+                <a16:creationId xmlns:a16="http://schemas.microsoft.com/office/drawing/2014/main" id="{393A3636-44A2-A845-986A-B81BD6D0AD30}"/>
+              </a:ext>
+            </a:extLst>
+          </p:cNvPr>
+          <p:cNvSpPr>
+            <a:spLocks noGrp="1"/>
+          </p:cNvSpPr>
+          <p:nvPr>
+            <p:ph type="title"/>
+          </p:nvPr>
+        </p:nvSpPr>
+        <p:spPr>
+          <a:xfrm>
+            <a:off x="814647" y="245164"/>
+            <a:ext cx="10721600" cy="1188720"/>
+          </a:xfrm>
+        </p:spPr>
+        <p:txBody>
+          <a:bodyPr/>
+          <a:lstStyle/>
+          <a:p>
+            <a:r>
+              <a:rPr lang="en-US" dirty="0"/>
+              <a:t>Analysis of the </a:t>
+            </a:r>
+            <a:r>
+              <a:rPr lang="en-US" dirty="0" err="1"/>
+              <a:t>coworking</a:t>
+            </a:r>
+            <a:r>
+              <a:rPr lang="en-US" dirty="0"/>
+              <a:t> scores – Target Area</a:t>
+            </a:r>
+          </a:p>
+        </p:txBody>
+      </p:sp>
+      <p:pic>
+        <p:nvPicPr>
+          <p:cNvPr id="5" name="Picture 4">
+            <a:extLst>
+              <a:ext uri="{FF2B5EF4-FFF2-40B4-BE49-F238E27FC236}">
+                <a16:creationId xmlns:a16="http://schemas.microsoft.com/office/drawing/2014/main" id="{87B94F8D-D1B2-BF45-B32B-C63A56C9C509}"/>
+              </a:ext>
+            </a:extLst>
+          </p:cNvPr>
+          <p:cNvPicPr>
+            <a:picLocks noChangeAspect="1"/>
+          </p:cNvPicPr>
+          <p:nvPr/>
+        </p:nvPicPr>
+        <p:blipFill>
+          <a:blip r:embed="rId2"/>
+          <a:stretch>
+            <a:fillRect/>
+          </a:stretch>
+        </p:blipFill>
+        <p:spPr>
+          <a:xfrm>
+            <a:off x="1166197" y="1781332"/>
+            <a:ext cx="7897812" cy="4814341"/>
+          </a:xfrm>
+          <a:prstGeom prst="rect">
+            <a:avLst/>
+          </a:prstGeom>
+        </p:spPr>
+      </p:pic>
+      <p:sp>
+        <p:nvSpPr>
+          <p:cNvPr id="6" name="TextBox 5">
+            <a:extLst>
+              <a:ext uri="{FF2B5EF4-FFF2-40B4-BE49-F238E27FC236}">
+                <a16:creationId xmlns:a16="http://schemas.microsoft.com/office/drawing/2014/main" id="{0830D92E-FB88-4F48-BE99-0EF31190E4E3}"/>
+              </a:ext>
+            </a:extLst>
+          </p:cNvPr>
+          <p:cNvSpPr txBox="1"/>
+          <p:nvPr/>
+        </p:nvSpPr>
+        <p:spPr>
+          <a:xfrm>
+            <a:off x="4130749" y="6145968"/>
+            <a:ext cx="2533338" cy="369332"/>
+          </a:xfrm>
+          <a:prstGeom prst="rect">
+            <a:avLst/>
+          </a:prstGeom>
+          <a:solidFill>
+            <a:schemeClr val="bg1"/>
+          </a:solidFill>
+        </p:spPr>
+        <p:txBody>
+          <a:bodyPr wrap="square" rtlCol="0">
+            <a:spAutoFit/>
+          </a:bodyPr>
+          <a:lstStyle/>
+          <a:p>
+            <a:endParaRPr lang="en-US" dirty="0"/>
+          </a:p>
+        </p:txBody>
+      </p:sp>
+      <p:cxnSp>
+        <p:nvCxnSpPr>
+          <p:cNvPr id="8" name="Straight Connector 7">
+            <a:extLst>
+              <a:ext uri="{FF2B5EF4-FFF2-40B4-BE49-F238E27FC236}">
+                <a16:creationId xmlns:a16="http://schemas.microsoft.com/office/drawing/2014/main" id="{02E7944B-0143-8740-9AE5-FC357474ED5B}"/>
+              </a:ext>
+            </a:extLst>
+          </p:cNvPr>
+          <p:cNvCxnSpPr>
+            <a:cxnSpLocks/>
+          </p:cNvCxnSpPr>
+          <p:nvPr/>
+        </p:nvCxnSpPr>
+        <p:spPr>
+          <a:xfrm>
+            <a:off x="1777293" y="4710181"/>
+            <a:ext cx="7084079" cy="0"/>
+          </a:xfrm>
+          <a:prstGeom prst="line">
+            <a:avLst/>
+          </a:prstGeom>
+          <a:ln w="31750"/>
+        </p:spPr>
+        <p:style>
+          <a:lnRef idx="1">
+            <a:schemeClr val="accent1"/>
+          </a:lnRef>
+          <a:fillRef idx="0">
+            <a:schemeClr val="accent1"/>
+          </a:fillRef>
+          <a:effectRef idx="0">
+            <a:schemeClr val="accent1"/>
+          </a:effectRef>
+          <a:fontRef idx="minor">
+            <a:schemeClr val="tx1"/>
+          </a:fontRef>
+        </p:style>
+      </p:cxnSp>
+      <p:cxnSp>
+        <p:nvCxnSpPr>
+          <p:cNvPr id="12" name="Straight Connector 11">
+            <a:extLst>
+              <a:ext uri="{FF2B5EF4-FFF2-40B4-BE49-F238E27FC236}">
+                <a16:creationId xmlns:a16="http://schemas.microsoft.com/office/drawing/2014/main" id="{230A1739-BCF8-364D-9017-D68937C06382}"/>
+              </a:ext>
+            </a:extLst>
+          </p:cNvPr>
+          <p:cNvCxnSpPr>
+            <a:cxnSpLocks/>
+          </p:cNvCxnSpPr>
+          <p:nvPr/>
+        </p:nvCxnSpPr>
+        <p:spPr>
+          <a:xfrm>
+            <a:off x="1780068" y="3931565"/>
+            <a:ext cx="7084079" cy="0"/>
+          </a:xfrm>
+          <a:prstGeom prst="line">
+            <a:avLst/>
+          </a:prstGeom>
+          <a:ln w="31750"/>
+        </p:spPr>
+        <p:style>
+          <a:lnRef idx="1">
+            <a:schemeClr val="accent1"/>
+          </a:lnRef>
+          <a:fillRef idx="0">
+            <a:schemeClr val="accent1"/>
+          </a:fillRef>
+          <a:effectRef idx="0">
+            <a:schemeClr val="accent1"/>
+          </a:effectRef>
+          <a:fontRef idx="minor">
+            <a:schemeClr val="tx1"/>
+          </a:fontRef>
+        </p:style>
+      </p:cxnSp>
+      <p:sp>
+        <p:nvSpPr>
+          <p:cNvPr id="13" name="Right Brace 12">
+            <a:extLst>
+              <a:ext uri="{FF2B5EF4-FFF2-40B4-BE49-F238E27FC236}">
+                <a16:creationId xmlns:a16="http://schemas.microsoft.com/office/drawing/2014/main" id="{10640D94-E9AC-0147-9B7D-EF9459FE2809}"/>
+              </a:ext>
+            </a:extLst>
+          </p:cNvPr>
+          <p:cNvSpPr/>
+          <p:nvPr/>
+        </p:nvSpPr>
+        <p:spPr>
+          <a:xfrm>
+            <a:off x="9064009" y="4710181"/>
+            <a:ext cx="412505" cy="1158604"/>
+          </a:xfrm>
+          <a:prstGeom prst="rightBrace">
+            <a:avLst/>
+          </a:prstGeom>
+          <a:ln>
+            <a:solidFill>
+              <a:srgbClr val="00B0F0"/>
+            </a:solidFill>
+          </a:ln>
+        </p:spPr>
+        <p:style>
+          <a:lnRef idx="1">
+            <a:schemeClr val="accent1"/>
+          </a:lnRef>
+          <a:fillRef idx="0">
+            <a:schemeClr val="accent1"/>
+          </a:fillRef>
+          <a:effectRef idx="0">
+            <a:schemeClr val="accent1"/>
+          </a:effectRef>
+          <a:fontRef idx="minor">
+            <a:schemeClr val="tx1"/>
+          </a:fontRef>
+        </p:style>
+        <p:txBody>
+          <a:bodyPr rtlCol="0" anchor="ctr"/>
+          <a:lstStyle/>
+          <a:p>
+            <a:pPr algn="ctr"/>
+            <a:endParaRPr lang="en-US"/>
+          </a:p>
+        </p:txBody>
+      </p:sp>
+      <p:sp>
+        <p:nvSpPr>
+          <p:cNvPr id="14" name="Right Brace 13">
+            <a:extLst>
+              <a:ext uri="{FF2B5EF4-FFF2-40B4-BE49-F238E27FC236}">
+                <a16:creationId xmlns:a16="http://schemas.microsoft.com/office/drawing/2014/main" id="{57657E6E-5ED8-7846-9F23-10C937F653EF}"/>
+              </a:ext>
+            </a:extLst>
+          </p:cNvPr>
+          <p:cNvSpPr/>
+          <p:nvPr/>
+        </p:nvSpPr>
+        <p:spPr>
+          <a:xfrm>
+            <a:off x="9096346" y="3931565"/>
+            <a:ext cx="412505" cy="778616"/>
+          </a:xfrm>
+          <a:prstGeom prst="rightBrace">
+            <a:avLst/>
+          </a:prstGeom>
+          <a:ln>
+            <a:solidFill>
+              <a:srgbClr val="00B0F0"/>
+            </a:solidFill>
+          </a:ln>
+        </p:spPr>
+        <p:style>
+          <a:lnRef idx="1">
+            <a:schemeClr val="accent1"/>
+          </a:lnRef>
+          <a:fillRef idx="0">
+            <a:schemeClr val="accent1"/>
+          </a:fillRef>
+          <a:effectRef idx="0">
+            <a:schemeClr val="accent1"/>
+          </a:effectRef>
+          <a:fontRef idx="minor">
+            <a:schemeClr val="tx1"/>
+          </a:fontRef>
+        </p:style>
+        <p:txBody>
+          <a:bodyPr rtlCol="0" anchor="ctr"/>
+          <a:lstStyle/>
+          <a:p>
+            <a:pPr algn="ctr"/>
+            <a:endParaRPr lang="en-US"/>
+          </a:p>
+        </p:txBody>
+      </p:sp>
+      <p:sp>
+        <p:nvSpPr>
+          <p:cNvPr id="15" name="Right Brace 14">
+            <a:extLst>
+              <a:ext uri="{FF2B5EF4-FFF2-40B4-BE49-F238E27FC236}">
+                <a16:creationId xmlns:a16="http://schemas.microsoft.com/office/drawing/2014/main" id="{EF7FB84B-22B0-2B45-9DCF-BC71973E1EAC}"/>
+              </a:ext>
+            </a:extLst>
+          </p:cNvPr>
+          <p:cNvSpPr/>
+          <p:nvPr/>
+        </p:nvSpPr>
+        <p:spPr>
+          <a:xfrm>
+            <a:off x="9095433" y="1781332"/>
+            <a:ext cx="412505" cy="2150233"/>
+          </a:xfrm>
+          <a:prstGeom prst="rightBrace">
+            <a:avLst/>
+          </a:prstGeom>
+          <a:ln>
+            <a:solidFill>
+              <a:srgbClr val="00B0F0"/>
+            </a:solidFill>
+          </a:ln>
+        </p:spPr>
+        <p:style>
+          <a:lnRef idx="1">
+            <a:schemeClr val="accent1"/>
+          </a:lnRef>
+          <a:fillRef idx="0">
+            <a:schemeClr val="accent1"/>
+          </a:fillRef>
+          <a:effectRef idx="0">
+            <a:schemeClr val="accent1"/>
+          </a:effectRef>
+          <a:fontRef idx="minor">
+            <a:schemeClr val="tx1"/>
+          </a:fontRef>
+        </p:style>
+        <p:txBody>
+          <a:bodyPr rtlCol="0" anchor="ctr"/>
+          <a:lstStyle/>
+          <a:p>
+            <a:pPr algn="ctr"/>
+            <a:endParaRPr lang="en-US"/>
+          </a:p>
+        </p:txBody>
+      </p:sp>
+      <p:sp>
+        <p:nvSpPr>
+          <p:cNvPr id="16" name="TextBox 15">
+            <a:extLst>
+              <a:ext uri="{FF2B5EF4-FFF2-40B4-BE49-F238E27FC236}">
+                <a16:creationId xmlns:a16="http://schemas.microsoft.com/office/drawing/2014/main" id="{FA829BB8-DA0B-2C49-87E6-3E3430800F88}"/>
+              </a:ext>
+            </a:extLst>
+          </p:cNvPr>
+          <p:cNvSpPr txBox="1"/>
+          <p:nvPr/>
+        </p:nvSpPr>
+        <p:spPr>
+          <a:xfrm>
+            <a:off x="9193885" y="2643444"/>
+            <a:ext cx="2344189" cy="369332"/>
+          </a:xfrm>
+          <a:prstGeom prst="rect">
+            <a:avLst/>
+          </a:prstGeom>
+          <a:noFill/>
+        </p:spPr>
+        <p:txBody>
+          <a:bodyPr wrap="square" rtlCol="0">
+            <a:spAutoFit/>
+          </a:bodyPr>
+          <a:lstStyle/>
+          <a:p>
+            <a:pPr algn="ctr"/>
+            <a:r>
+              <a:rPr lang="en-US" dirty="0"/>
+              <a:t>Very Likely</a:t>
+            </a:r>
+          </a:p>
+        </p:txBody>
+      </p:sp>
+      <p:sp>
+        <p:nvSpPr>
+          <p:cNvPr id="17" name="TextBox 16">
+            <a:extLst>
+              <a:ext uri="{FF2B5EF4-FFF2-40B4-BE49-F238E27FC236}">
+                <a16:creationId xmlns:a16="http://schemas.microsoft.com/office/drawing/2014/main" id="{445947D3-BDB8-C14B-8217-4AAF5A380366}"/>
+              </a:ext>
+            </a:extLst>
+          </p:cNvPr>
+          <p:cNvSpPr txBox="1"/>
+          <p:nvPr/>
+        </p:nvSpPr>
+        <p:spPr>
+          <a:xfrm>
+            <a:off x="9459892" y="4136207"/>
+            <a:ext cx="2344189" cy="369332"/>
+          </a:xfrm>
+          <a:prstGeom prst="rect">
+            <a:avLst/>
+          </a:prstGeom>
+          <a:noFill/>
+        </p:spPr>
+        <p:txBody>
+          <a:bodyPr wrap="square" rtlCol="0">
+            <a:spAutoFit/>
+          </a:bodyPr>
+          <a:lstStyle/>
+          <a:p>
+            <a:pPr algn="ctr"/>
+            <a:r>
+              <a:rPr lang="en-US" dirty="0"/>
+              <a:t>Somewhat Likely</a:t>
+            </a:r>
+          </a:p>
+        </p:txBody>
+      </p:sp>
+      <p:sp>
+        <p:nvSpPr>
+          <p:cNvPr id="18" name="TextBox 17">
+            <a:extLst>
+              <a:ext uri="{FF2B5EF4-FFF2-40B4-BE49-F238E27FC236}">
+                <a16:creationId xmlns:a16="http://schemas.microsoft.com/office/drawing/2014/main" id="{1D2613C6-AEB0-2F42-BA13-5C4B0FC87D75}"/>
+              </a:ext>
+            </a:extLst>
+          </p:cNvPr>
+          <p:cNvSpPr txBox="1"/>
+          <p:nvPr/>
+        </p:nvSpPr>
+        <p:spPr>
+          <a:xfrm>
+            <a:off x="9192058" y="5104817"/>
+            <a:ext cx="2344189" cy="369332"/>
+          </a:xfrm>
+          <a:prstGeom prst="rect">
+            <a:avLst/>
+          </a:prstGeom>
+          <a:noFill/>
+        </p:spPr>
+        <p:txBody>
+          <a:bodyPr wrap="square" rtlCol="0">
+            <a:spAutoFit/>
+          </a:bodyPr>
+          <a:lstStyle/>
+          <a:p>
+            <a:pPr algn="ctr"/>
+            <a:r>
+              <a:rPr lang="en-US" dirty="0"/>
+              <a:t>Not Likely</a:t>
+            </a:r>
+          </a:p>
+        </p:txBody>
+      </p:sp>
+    </p:spTree>
+    <p:extLst>
+      <p:ext uri="{BB962C8B-B14F-4D97-AF65-F5344CB8AC3E}">
+        <p14:creationId xmlns:p14="http://schemas.microsoft.com/office/powerpoint/2010/main" val="3681523415"/>
+      </p:ext>
+    </p:extLst>
+  </p:cSld>
+  <p:clrMapOvr>
+    <a:masterClrMapping/>
+  </p:clrMapOvr>
+</p:sld>
+</file>
+
 <file path=ppt/theme/theme1.xml><?xml version="1.0" encoding="utf-8"?>
 <a:theme xmlns:a="http://schemas.openxmlformats.org/drawingml/2006/main" name="Parcel">
   <a:themeElements>
